--- a/OptimisationCourse_finalpresentation.pptx
+++ b/OptimisationCourse_finalpresentation.pptx
@@ -182,9 +182,337 @@
 <file path=ppt/revisionInfo.xml><?xml version="1.0" encoding="utf-8"?>
 <p1510:revInfo xmlns:a="http://schemas.openxmlformats.org/drawingml/2006/main" xmlns:r="http://schemas.openxmlformats.org/officeDocument/2006/relationships" xmlns:p1510="http://schemas.microsoft.com/office/powerpoint/2015/10/main">
   <p1510:revLst>
+    <p1510:client id="{27EF4E3E-DB54-47C4-914E-AD6E369FD3B6}" v="12" dt="2023-11-10T15:52:23.991"/>
     <p1510:client id="{AA814015-0065-42F1-BA8E-D1ECD76963AC}" v="42" dt="2023-11-10T15:29:52.368"/>
   </p1510:revLst>
 </p1510:revInfo>
+</file>
+
+<file path=ppt/changesInfos/changesInfo1.xml><?xml version="1.0" encoding="utf-8"?>
+<pc:chgInfo xmlns:a="http://schemas.openxmlformats.org/drawingml/2006/main" xmlns:r="http://schemas.openxmlformats.org/officeDocument/2006/relationships" xmlns:ac="http://schemas.microsoft.com/office/drawing/2013/main/command" xmlns:pc="http://schemas.microsoft.com/office/powerpoint/2013/main/command">
+  <pc:docChgLst>
+    <pc:chgData name="Haruko NAKAO" userId="96c1dceb-bae1-47c0-9bfc-9756791d1f45" providerId="ADAL" clId="{27EF4E3E-DB54-47C4-914E-AD6E369FD3B6}"/>
+    <pc:docChg chg="undo custSel modSld">
+      <pc:chgData name="Haruko NAKAO" userId="96c1dceb-bae1-47c0-9bfc-9756791d1f45" providerId="ADAL" clId="{27EF4E3E-DB54-47C4-914E-AD6E369FD3B6}" dt="2023-11-11T15:18:36.860" v="1147" actId="20577"/>
+      <pc:docMkLst>
+        <pc:docMk/>
+      </pc:docMkLst>
+      <pc:sldChg chg="addSp delSp modSp mod">
+        <pc:chgData name="Haruko NAKAO" userId="96c1dceb-bae1-47c0-9bfc-9756791d1f45" providerId="ADAL" clId="{27EF4E3E-DB54-47C4-914E-AD6E369FD3B6}" dt="2023-11-10T15:47:57.827" v="217" actId="20577"/>
+        <pc:sldMkLst>
+          <pc:docMk/>
+          <pc:sldMk cId="567364740" sldId="449"/>
+        </pc:sldMkLst>
+        <pc:spChg chg="mod">
+          <ac:chgData name="Haruko NAKAO" userId="96c1dceb-bae1-47c0-9bfc-9756791d1f45" providerId="ADAL" clId="{27EF4E3E-DB54-47C4-914E-AD6E369FD3B6}" dt="2023-11-10T15:47:57.827" v="217" actId="20577"/>
+          <ac:spMkLst>
+            <pc:docMk/>
+            <pc:sldMk cId="567364740" sldId="449"/>
+            <ac:spMk id="20" creationId="{F81D0019-86CE-0358-9DB8-D7DE14D27048}"/>
+          </ac:spMkLst>
+        </pc:spChg>
+        <pc:spChg chg="mod">
+          <ac:chgData name="Haruko NAKAO" userId="96c1dceb-bae1-47c0-9bfc-9756791d1f45" providerId="ADAL" clId="{27EF4E3E-DB54-47C4-914E-AD6E369FD3B6}" dt="2023-11-10T15:42:45.123" v="20" actId="20577"/>
+          <ac:spMkLst>
+            <pc:docMk/>
+            <pc:sldMk cId="567364740" sldId="449"/>
+            <ac:spMk id="22" creationId="{4CA564F2-B222-E96F-70C7-DFFCBFC4D550}"/>
+          </ac:spMkLst>
+        </pc:spChg>
+        <pc:spChg chg="mod">
+          <ac:chgData name="Haruko NAKAO" userId="96c1dceb-bae1-47c0-9bfc-9756791d1f45" providerId="ADAL" clId="{27EF4E3E-DB54-47C4-914E-AD6E369FD3B6}" dt="2023-11-10T15:42:48.621" v="27" actId="20577"/>
+          <ac:spMkLst>
+            <pc:docMk/>
+            <pc:sldMk cId="567364740" sldId="449"/>
+            <ac:spMk id="23" creationId="{865957F9-2896-E332-1240-7077FEE58995}"/>
+          </ac:spMkLst>
+        </pc:spChg>
+        <pc:picChg chg="add del mod">
+          <ac:chgData name="Haruko NAKAO" userId="96c1dceb-bae1-47c0-9bfc-9756791d1f45" providerId="ADAL" clId="{27EF4E3E-DB54-47C4-914E-AD6E369FD3B6}" dt="2023-11-10T15:44:58.459" v="88" actId="478"/>
+          <ac:picMkLst>
+            <pc:docMk/>
+            <pc:sldMk cId="567364740" sldId="449"/>
+            <ac:picMk id="34" creationId="{EDF5E181-0174-4186-12C8-4771913122A3}"/>
+          </ac:picMkLst>
+        </pc:picChg>
+        <pc:picChg chg="mod">
+          <ac:chgData name="Haruko NAKAO" userId="96c1dceb-bae1-47c0-9bfc-9756791d1f45" providerId="ADAL" clId="{27EF4E3E-DB54-47C4-914E-AD6E369FD3B6}" dt="2023-11-10T15:45:19.024" v="89" actId="14826"/>
+          <ac:picMkLst>
+            <pc:docMk/>
+            <pc:sldMk cId="567364740" sldId="449"/>
+            <ac:picMk id="47" creationId="{AD9310D3-159A-25FB-4FE5-5FE5A471FEC3}"/>
+          </ac:picMkLst>
+        </pc:picChg>
+        <pc:picChg chg="mod">
+          <ac:chgData name="Haruko NAKAO" userId="96c1dceb-bae1-47c0-9bfc-9756791d1f45" providerId="ADAL" clId="{27EF4E3E-DB54-47C4-914E-AD6E369FD3B6}" dt="2023-11-10T15:45:51.826" v="91" actId="14100"/>
+          <ac:picMkLst>
+            <pc:docMk/>
+            <pc:sldMk cId="567364740" sldId="449"/>
+            <ac:picMk id="52" creationId="{75C05EB9-1508-CA60-3D31-F55420354427}"/>
+          </ac:picMkLst>
+        </pc:picChg>
+      </pc:sldChg>
+      <pc:sldChg chg="addSp delSp modSp mod">
+        <pc:chgData name="Haruko NAKAO" userId="96c1dceb-bae1-47c0-9bfc-9756791d1f45" providerId="ADAL" clId="{27EF4E3E-DB54-47C4-914E-AD6E369FD3B6}" dt="2023-11-10T15:51:13.420" v="813" actId="20577"/>
+        <pc:sldMkLst>
+          <pc:docMk/>
+          <pc:sldMk cId="226241538" sldId="451"/>
+        </pc:sldMkLst>
+        <pc:spChg chg="mod">
+          <ac:chgData name="Haruko NAKAO" userId="96c1dceb-bae1-47c0-9bfc-9756791d1f45" providerId="ADAL" clId="{27EF4E3E-DB54-47C4-914E-AD6E369FD3B6}" dt="2023-11-10T15:51:13.420" v="813" actId="20577"/>
+          <ac:spMkLst>
+            <pc:docMk/>
+            <pc:sldMk cId="226241538" sldId="451"/>
+            <ac:spMk id="6" creationId="{09B34F73-5C55-6ACF-2CBE-50C460E79F04}"/>
+          </ac:spMkLst>
+        </pc:spChg>
+        <pc:picChg chg="add del">
+          <ac:chgData name="Haruko NAKAO" userId="96c1dceb-bae1-47c0-9bfc-9756791d1f45" providerId="ADAL" clId="{27EF4E3E-DB54-47C4-914E-AD6E369FD3B6}" dt="2023-11-10T15:47:26.707" v="188" actId="478"/>
+          <ac:picMkLst>
+            <pc:docMk/>
+            <pc:sldMk cId="226241538" sldId="451"/>
+            <ac:picMk id="2" creationId="{89351710-FBFB-FF98-E31F-719C62F4E7F9}"/>
+          </ac:picMkLst>
+        </pc:picChg>
+        <pc:picChg chg="del">
+          <ac:chgData name="Haruko NAKAO" userId="96c1dceb-bae1-47c0-9bfc-9756791d1f45" providerId="ADAL" clId="{27EF4E3E-DB54-47C4-914E-AD6E369FD3B6}" dt="2023-11-10T15:46:07.349" v="97" actId="478"/>
+          <ac:picMkLst>
+            <pc:docMk/>
+            <pc:sldMk cId="226241538" sldId="451"/>
+            <ac:picMk id="3" creationId="{C95D41DF-D0C2-93AA-0E34-CB40ACB55325}"/>
+          </ac:picMkLst>
+        </pc:picChg>
+        <pc:picChg chg="add mod">
+          <ac:chgData name="Haruko NAKAO" userId="96c1dceb-bae1-47c0-9bfc-9756791d1f45" providerId="ADAL" clId="{27EF4E3E-DB54-47C4-914E-AD6E369FD3B6}" dt="2023-11-10T15:47:29.915" v="189" actId="1076"/>
+          <ac:picMkLst>
+            <pc:docMk/>
+            <pc:sldMk cId="226241538" sldId="451"/>
+            <ac:picMk id="4" creationId="{A60B48B7-B72D-2947-B45D-8B2167B785A2}"/>
+          </ac:picMkLst>
+        </pc:picChg>
+        <pc:picChg chg="add del mod">
+          <ac:chgData name="Haruko NAKAO" userId="96c1dceb-bae1-47c0-9bfc-9756791d1f45" providerId="ADAL" clId="{27EF4E3E-DB54-47C4-914E-AD6E369FD3B6}" dt="2023-11-10T15:47:26.067" v="187" actId="478"/>
+          <ac:picMkLst>
+            <pc:docMk/>
+            <pc:sldMk cId="226241538" sldId="451"/>
+            <ac:picMk id="5" creationId="{9D49E3A0-F5BD-24A9-5FD9-1B6FEFC83AA0}"/>
+          </ac:picMkLst>
+        </pc:picChg>
+      </pc:sldChg>
+      <pc:sldChg chg="addSp modSp mod">
+        <pc:chgData name="Haruko NAKAO" userId="96c1dceb-bae1-47c0-9bfc-9756791d1f45" providerId="ADAL" clId="{27EF4E3E-DB54-47C4-914E-AD6E369FD3B6}" dt="2023-11-10T15:52:50.283" v="1016" actId="20577"/>
+        <pc:sldMkLst>
+          <pc:docMk/>
+          <pc:sldMk cId="923136765" sldId="454"/>
+        </pc:sldMkLst>
+        <pc:spChg chg="add mod">
+          <ac:chgData name="Haruko NAKAO" userId="96c1dceb-bae1-47c0-9bfc-9756791d1f45" providerId="ADAL" clId="{27EF4E3E-DB54-47C4-914E-AD6E369FD3B6}" dt="2023-11-10T15:52:50.283" v="1016" actId="20577"/>
+          <ac:spMkLst>
+            <pc:docMk/>
+            <pc:sldMk cId="923136765" sldId="454"/>
+            <ac:spMk id="9" creationId="{73A27A80-7AFC-DEAB-A4D9-6F6174119F71}"/>
+          </ac:spMkLst>
+        </pc:spChg>
+        <pc:spChg chg="mod">
+          <ac:chgData name="Haruko NAKAO" userId="96c1dceb-bae1-47c0-9bfc-9756791d1f45" providerId="ADAL" clId="{27EF4E3E-DB54-47C4-914E-AD6E369FD3B6}" dt="2023-11-10T15:46:49.674" v="144" actId="1076"/>
+          <ac:spMkLst>
+            <pc:docMk/>
+            <pc:sldMk cId="923136765" sldId="454"/>
+            <ac:spMk id="18" creationId="{98031966-32D8-9039-8252-18B9FAAB110E}"/>
+          </ac:spMkLst>
+        </pc:spChg>
+      </pc:sldChg>
+      <pc:sldChg chg="addSp delSp modSp mod">
+        <pc:chgData name="Haruko NAKAO" userId="96c1dceb-bae1-47c0-9bfc-9756791d1f45" providerId="ADAL" clId="{27EF4E3E-DB54-47C4-914E-AD6E369FD3B6}" dt="2023-11-11T14:53:06.244" v="1076" actId="20577"/>
+        <pc:sldMkLst>
+          <pc:docMk/>
+          <pc:sldMk cId="4024954018" sldId="460"/>
+        </pc:sldMkLst>
+        <pc:spChg chg="mod">
+          <ac:chgData name="Haruko NAKAO" userId="96c1dceb-bae1-47c0-9bfc-9756791d1f45" providerId="ADAL" clId="{27EF4E3E-DB54-47C4-914E-AD6E369FD3B6}" dt="2023-11-11T14:53:06.244" v="1076" actId="20577"/>
+          <ac:spMkLst>
+            <pc:docMk/>
+            <pc:sldMk cId="4024954018" sldId="460"/>
+            <ac:spMk id="3" creationId="{82256AF9-E3DA-57DB-2938-3AF63C282FCA}"/>
+          </ac:spMkLst>
+        </pc:spChg>
+        <pc:picChg chg="del">
+          <ac:chgData name="Haruko NAKAO" userId="96c1dceb-bae1-47c0-9bfc-9756791d1f45" providerId="ADAL" clId="{27EF4E3E-DB54-47C4-914E-AD6E369FD3B6}" dt="2023-11-10T15:47:48.837" v="199" actId="478"/>
+          <ac:picMkLst>
+            <pc:docMk/>
+            <pc:sldMk cId="4024954018" sldId="460"/>
+            <ac:picMk id="2" creationId="{1D1FC96D-48FC-15AE-6AA4-350B488073D7}"/>
+          </ac:picMkLst>
+        </pc:picChg>
+        <pc:picChg chg="add mod">
+          <ac:chgData name="Haruko NAKAO" userId="96c1dceb-bae1-47c0-9bfc-9756791d1f45" providerId="ADAL" clId="{27EF4E3E-DB54-47C4-914E-AD6E369FD3B6}" dt="2023-11-10T15:47:47.404" v="198" actId="1076"/>
+          <ac:picMkLst>
+            <pc:docMk/>
+            <pc:sldMk cId="4024954018" sldId="460"/>
+            <ac:picMk id="4" creationId="{E6EC1FDD-2E06-3BDA-9746-D60ADBF39121}"/>
+          </ac:picMkLst>
+        </pc:picChg>
+        <pc:picChg chg="del">
+          <ac:chgData name="Haruko NAKAO" userId="96c1dceb-bae1-47c0-9bfc-9756791d1f45" providerId="ADAL" clId="{27EF4E3E-DB54-47C4-914E-AD6E369FD3B6}" dt="2023-11-10T15:47:44.733" v="196" actId="478"/>
+          <ac:picMkLst>
+            <pc:docMk/>
+            <pc:sldMk cId="4024954018" sldId="460"/>
+            <ac:picMk id="20" creationId="{8AB1716C-26E9-7906-9E1E-E4284F8853E8}"/>
+          </ac:picMkLst>
+        </pc:picChg>
+      </pc:sldChg>
+      <pc:sldChg chg="addSp delSp modSp mod">
+        <pc:chgData name="Haruko NAKAO" userId="96c1dceb-bae1-47c0-9bfc-9756791d1f45" providerId="ADAL" clId="{27EF4E3E-DB54-47C4-914E-AD6E369FD3B6}" dt="2023-11-10T15:51:37.451" v="901" actId="20577"/>
+        <pc:sldMkLst>
+          <pc:docMk/>
+          <pc:sldMk cId="2457707271" sldId="461"/>
+        </pc:sldMkLst>
+        <pc:spChg chg="mod">
+          <ac:chgData name="Haruko NAKAO" userId="96c1dceb-bae1-47c0-9bfc-9756791d1f45" providerId="ADAL" clId="{27EF4E3E-DB54-47C4-914E-AD6E369FD3B6}" dt="2023-11-10T15:51:37.451" v="901" actId="20577"/>
+          <ac:spMkLst>
+            <pc:docMk/>
+            <pc:sldMk cId="2457707271" sldId="461"/>
+            <ac:spMk id="6" creationId="{09B34F73-5C55-6ACF-2CBE-50C460E79F04}"/>
+          </ac:spMkLst>
+        </pc:spChg>
+        <pc:spChg chg="mod">
+          <ac:chgData name="Haruko NAKAO" userId="96c1dceb-bae1-47c0-9bfc-9756791d1f45" providerId="ADAL" clId="{27EF4E3E-DB54-47C4-914E-AD6E369FD3B6}" dt="2023-11-10T15:43:30.388" v="86" actId="1076"/>
+          <ac:spMkLst>
+            <pc:docMk/>
+            <pc:sldMk cId="2457707271" sldId="461"/>
+            <ac:spMk id="18" creationId="{98031966-32D8-9039-8252-18B9FAAB110E}"/>
+          </ac:spMkLst>
+        </pc:spChg>
+        <pc:picChg chg="del">
+          <ac:chgData name="Haruko NAKAO" userId="96c1dceb-bae1-47c0-9bfc-9756791d1f45" providerId="ADAL" clId="{27EF4E3E-DB54-47C4-914E-AD6E369FD3B6}" dt="2023-11-10T15:47:33.021" v="190" actId="478"/>
+          <ac:picMkLst>
+            <pc:docMk/>
+            <pc:sldMk cId="2457707271" sldId="461"/>
+            <ac:picMk id="2" creationId="{89351710-FBFB-FF98-E31F-719C62F4E7F9}"/>
+          </ac:picMkLst>
+        </pc:picChg>
+        <pc:picChg chg="del">
+          <ac:chgData name="Haruko NAKAO" userId="96c1dceb-bae1-47c0-9bfc-9756791d1f45" providerId="ADAL" clId="{27EF4E3E-DB54-47C4-914E-AD6E369FD3B6}" dt="2023-11-10T15:46:16.100" v="102" actId="478"/>
+          <ac:picMkLst>
+            <pc:docMk/>
+            <pc:sldMk cId="2457707271" sldId="461"/>
+            <ac:picMk id="3" creationId="{C95D41DF-D0C2-93AA-0E34-CB40ACB55325}"/>
+          </ac:picMkLst>
+        </pc:picChg>
+        <pc:picChg chg="add del mod">
+          <ac:chgData name="Haruko NAKAO" userId="96c1dceb-bae1-47c0-9bfc-9756791d1f45" providerId="ADAL" clId="{27EF4E3E-DB54-47C4-914E-AD6E369FD3B6}" dt="2023-11-10T15:47:34.844" v="192" actId="478"/>
+          <ac:picMkLst>
+            <pc:docMk/>
+            <pc:sldMk cId="2457707271" sldId="461"/>
+            <ac:picMk id="4" creationId="{D7975391-E31B-5BD2-6ED6-C4A4AE2C8625}"/>
+          </ac:picMkLst>
+        </pc:picChg>
+        <pc:picChg chg="add mod">
+          <ac:chgData name="Haruko NAKAO" userId="96c1dceb-bae1-47c0-9bfc-9756791d1f45" providerId="ADAL" clId="{27EF4E3E-DB54-47C4-914E-AD6E369FD3B6}" dt="2023-11-10T15:47:33.258" v="191"/>
+          <ac:picMkLst>
+            <pc:docMk/>
+            <pc:sldMk cId="2457707271" sldId="461"/>
+            <ac:picMk id="5" creationId="{5C0EAE60-0965-C4F3-5B4D-8386327FA2CD}"/>
+          </ac:picMkLst>
+        </pc:picChg>
+      </pc:sldChg>
+      <pc:sldChg chg="addSp delSp modSp mod">
+        <pc:chgData name="Haruko NAKAO" userId="96c1dceb-bae1-47c0-9bfc-9756791d1f45" providerId="ADAL" clId="{27EF4E3E-DB54-47C4-914E-AD6E369FD3B6}" dt="2023-11-11T15:18:36.860" v="1147" actId="20577"/>
+        <pc:sldMkLst>
+          <pc:docMk/>
+          <pc:sldMk cId="2437658617" sldId="462"/>
+        </pc:sldMkLst>
+        <pc:spChg chg="mod">
+          <ac:chgData name="Haruko NAKAO" userId="96c1dceb-bae1-47c0-9bfc-9756791d1f45" providerId="ADAL" clId="{27EF4E3E-DB54-47C4-914E-AD6E369FD3B6}" dt="2023-11-11T15:18:36.860" v="1147" actId="20577"/>
+          <ac:spMkLst>
+            <pc:docMk/>
+            <pc:sldMk cId="2437658617" sldId="462"/>
+            <ac:spMk id="6" creationId="{09B34F73-5C55-6ACF-2CBE-50C460E79F04}"/>
+          </ac:spMkLst>
+        </pc:spChg>
+        <pc:spChg chg="mod">
+          <ac:chgData name="Haruko NAKAO" userId="96c1dceb-bae1-47c0-9bfc-9756791d1f45" providerId="ADAL" clId="{27EF4E3E-DB54-47C4-914E-AD6E369FD3B6}" dt="2023-11-10T15:46:39.012" v="135" actId="20577"/>
+          <ac:spMkLst>
+            <pc:docMk/>
+            <pc:sldMk cId="2437658617" sldId="462"/>
+            <ac:spMk id="18" creationId="{98031966-32D8-9039-8252-18B9FAAB110E}"/>
+          </ac:spMkLst>
+        </pc:spChg>
+        <pc:picChg chg="del">
+          <ac:chgData name="Haruko NAKAO" userId="96c1dceb-bae1-47c0-9bfc-9756791d1f45" providerId="ADAL" clId="{27EF4E3E-DB54-47C4-914E-AD6E369FD3B6}" dt="2023-11-10T15:47:37.654" v="193" actId="478"/>
+          <ac:picMkLst>
+            <pc:docMk/>
+            <pc:sldMk cId="2437658617" sldId="462"/>
+            <ac:picMk id="2" creationId="{89351710-FBFB-FF98-E31F-719C62F4E7F9}"/>
+          </ac:picMkLst>
+        </pc:picChg>
+        <pc:picChg chg="del">
+          <ac:chgData name="Haruko NAKAO" userId="96c1dceb-bae1-47c0-9bfc-9756791d1f45" providerId="ADAL" clId="{27EF4E3E-DB54-47C4-914E-AD6E369FD3B6}" dt="2023-11-10T15:46:10.366" v="99" actId="478"/>
+          <ac:picMkLst>
+            <pc:docMk/>
+            <pc:sldMk cId="2437658617" sldId="462"/>
+            <ac:picMk id="3" creationId="{C95D41DF-D0C2-93AA-0E34-CB40ACB55325}"/>
+          </ac:picMkLst>
+        </pc:picChg>
+        <pc:picChg chg="add del mod">
+          <ac:chgData name="Haruko NAKAO" userId="96c1dceb-bae1-47c0-9bfc-9756791d1f45" providerId="ADAL" clId="{27EF4E3E-DB54-47C4-914E-AD6E369FD3B6}" dt="2023-11-10T15:47:39.525" v="195" actId="478"/>
+          <ac:picMkLst>
+            <pc:docMk/>
+            <pc:sldMk cId="2437658617" sldId="462"/>
+            <ac:picMk id="4" creationId="{12321BE3-0DEB-D6A4-BB91-99EFE2A65CE7}"/>
+          </ac:picMkLst>
+        </pc:picChg>
+        <pc:picChg chg="add mod">
+          <ac:chgData name="Haruko NAKAO" userId="96c1dceb-bae1-47c0-9bfc-9756791d1f45" providerId="ADAL" clId="{27EF4E3E-DB54-47C4-914E-AD6E369FD3B6}" dt="2023-11-10T15:47:37.895" v="194"/>
+          <ac:picMkLst>
+            <pc:docMk/>
+            <pc:sldMk cId="2437658617" sldId="462"/>
+            <ac:picMk id="5" creationId="{64722A46-FAA4-6DE5-39B8-34FF2DCF5380}"/>
+          </ac:picMkLst>
+        </pc:picChg>
+      </pc:sldChg>
+      <pc:sldChg chg="addSp delSp modSp mod">
+        <pc:chgData name="Haruko NAKAO" userId="96c1dceb-bae1-47c0-9bfc-9756791d1f45" providerId="ADAL" clId="{27EF4E3E-DB54-47C4-914E-AD6E369FD3B6}" dt="2023-11-10T15:50:34.051" v="722" actId="20577"/>
+        <pc:sldMkLst>
+          <pc:docMk/>
+          <pc:sldMk cId="2311885539" sldId="463"/>
+        </pc:sldMkLst>
+        <pc:spChg chg="mod">
+          <ac:chgData name="Haruko NAKAO" userId="96c1dceb-bae1-47c0-9bfc-9756791d1f45" providerId="ADAL" clId="{27EF4E3E-DB54-47C4-914E-AD6E369FD3B6}" dt="2023-11-10T15:50:34.051" v="722" actId="20577"/>
+          <ac:spMkLst>
+            <pc:docMk/>
+            <pc:sldMk cId="2311885539" sldId="463"/>
+            <ac:spMk id="6" creationId="{09B34F73-5C55-6ACF-2CBE-50C460E79F04}"/>
+          </ac:spMkLst>
+        </pc:spChg>
+        <pc:spChg chg="mod">
+          <ac:chgData name="Haruko NAKAO" userId="96c1dceb-bae1-47c0-9bfc-9756791d1f45" providerId="ADAL" clId="{27EF4E3E-DB54-47C4-914E-AD6E369FD3B6}" dt="2023-11-10T15:43:04.083" v="50" actId="1076"/>
+          <ac:spMkLst>
+            <pc:docMk/>
+            <pc:sldMk cId="2311885539" sldId="463"/>
+            <ac:spMk id="18" creationId="{98031966-32D8-9039-8252-18B9FAAB110E}"/>
+          </ac:spMkLst>
+        </pc:spChg>
+        <pc:picChg chg="del">
+          <ac:chgData name="Haruko NAKAO" userId="96c1dceb-bae1-47c0-9bfc-9756791d1f45" providerId="ADAL" clId="{27EF4E3E-DB54-47C4-914E-AD6E369FD3B6}" dt="2023-11-10T15:46:01.517" v="94" actId="478"/>
+          <ac:picMkLst>
+            <pc:docMk/>
+            <pc:sldMk cId="2311885539" sldId="463"/>
+            <ac:picMk id="3" creationId="{C95D41DF-D0C2-93AA-0E34-CB40ACB55325}"/>
+          </ac:picMkLst>
+        </pc:picChg>
+        <pc:picChg chg="add mod">
+          <ac:chgData name="Haruko NAKAO" userId="96c1dceb-bae1-47c0-9bfc-9756791d1f45" providerId="ADAL" clId="{27EF4E3E-DB54-47C4-914E-AD6E369FD3B6}" dt="2023-11-10T15:46:05.299" v="96" actId="1076"/>
+          <ac:picMkLst>
+            <pc:docMk/>
+            <pc:sldMk cId="2311885539" sldId="463"/>
+            <ac:picMk id="4" creationId="{867B6B93-A4D6-CCDD-B9AC-5954D6E07080}"/>
+          </ac:picMkLst>
+        </pc:picChg>
+      </pc:sldChg>
+    </pc:docChg>
+  </pc:docChgLst>
+</pc:chgInfo>
 </file>
 
 <file path=ppt/handoutMasters/handoutMaster1.xml><?xml version="1.0" encoding="utf-8"?>
@@ -298,7 +626,7 @@
               <a:pPr>
                 <a:defRPr/>
               </a:pPr>
-              <a:t>11/10/2023</a:t>
+              <a:t>11/11/2023</a:t>
             </a:fld>
             <a:endParaRPr lang="en-US"/>
           </a:p>
@@ -521,7 +849,7 @@
               <a:pPr>
                 <a:defRPr/>
               </a:pPr>
-              <a:t>11/10/2023</a:t>
+              <a:t>11/11/2023</a:t>
             </a:fld>
             <a:endParaRPr lang="en-US"/>
           </a:p>
@@ -4917,7 +5245,7 @@
                     <a:srgbClr val="595959"/>
                   </a:solidFill>
                 </a:rPr>
-                <a:t>Introduction</a:t>
+                <a:t>What is MKP?</a:t>
               </a:r>
             </a:p>
           </p:txBody>
@@ -5072,7 +5400,7 @@
                     <a:srgbClr val="595959"/>
                   </a:solidFill>
                 </a:rPr>
-                <a:t>Exact solution method</a:t>
+                <a:t>Solution algorithms </a:t>
               </a:r>
             </a:p>
           </p:txBody>
@@ -5227,7 +5555,7 @@
                     <a:srgbClr val="595959"/>
                   </a:solidFill>
                 </a:rPr>
-                <a:t>Heuristics solution method</a:t>
+                <a:t>Results</a:t>
               </a:r>
             </a:p>
           </p:txBody>
@@ -6376,7 +6704,7 @@
       </p:pic>
       <p:pic>
         <p:nvPicPr>
-          <p:cNvPr id="47" name="Graphic 46" descr="Circles with arrows with solid fill">
+          <p:cNvPr id="47" name="Graphic 46" descr="Cause And Effect with solid fill">
             <a:extLst>
               <a:ext uri="{FF2B5EF4-FFF2-40B4-BE49-F238E27FC236}">
                 <a16:creationId xmlns:a16="http://schemas.microsoft.com/office/drawing/2014/main" id="{AD9310D3-159A-25FB-4FE5-5FE5A471FEC3}"/>
@@ -6396,9 +6724,8 @@
               </a:ext>
             </a:extLst>
           </a:blip>
-          <a:stretch>
-            <a:fillRect/>
-          </a:stretch>
+          <a:srcRect/>
+          <a:stretch/>
         </p:blipFill>
         <p:spPr>
           <a:xfrm>
@@ -6487,7 +6814,7 @@
       </p:pic>
       <p:pic>
         <p:nvPicPr>
-          <p:cNvPr id="52" name="Graphic 51" descr="Circles with arrows with solid fill">
+          <p:cNvPr id="52" name="Graphic 51" descr="Cause And Effect with solid fill">
             <a:extLst>
               <a:ext uri="{FF2B5EF4-FFF2-40B4-BE49-F238E27FC236}">
                 <a16:creationId xmlns:a16="http://schemas.microsoft.com/office/drawing/2014/main" id="{75C05EB9-1508-CA60-3D31-F55420354427}"/>
@@ -6507,9 +6834,8 @@
               </a:ext>
             </a:extLst>
           </a:blip>
-          <a:stretch>
-            <a:fillRect/>
-          </a:stretch>
+          <a:srcRect/>
+          <a:stretch/>
         </p:blipFill>
         <p:spPr>
           <a:xfrm>
@@ -8652,45 +8978,6 @@
           </a:p>
         </p:txBody>
       </p:sp>
-      <p:pic>
-        <p:nvPicPr>
-          <p:cNvPr id="20" name="Graphic 19" descr="Badge 1 with solid fill">
-            <a:extLst>
-              <a:ext uri="{FF2B5EF4-FFF2-40B4-BE49-F238E27FC236}">
-                <a16:creationId xmlns:a16="http://schemas.microsoft.com/office/drawing/2014/main" id="{8AB1716C-26E9-7906-9E1E-E4284F8853E8}"/>
-              </a:ext>
-            </a:extLst>
-          </p:cNvPr>
-          <p:cNvPicPr>
-            <a:picLocks noChangeAspect="1"/>
-          </p:cNvPicPr>
-          <p:nvPr/>
-        </p:nvPicPr>
-        <p:blipFill>
-          <a:blip r:embed="rId2">
-            <a:extLst>
-              <a:ext uri="{28A0092B-C50C-407E-A947-70E740481C1C}">
-                <a14:useLocalDpi xmlns:a14="http://schemas.microsoft.com/office/drawing/2010/main" val="0"/>
-              </a:ext>
-              <a:ext uri="{96DAC541-7B7A-43D3-8B79-37D633B846F1}">
-                <asvg:svgBlip xmlns:asvg="http://schemas.microsoft.com/office/drawing/2016/SVG/main" r:embed="rId3"/>
-              </a:ext>
-            </a:extLst>
-          </a:blip>
-          <a:stretch>
-            <a:fillRect/>
-          </a:stretch>
-        </p:blipFill>
-        <p:spPr>
-          <a:xfrm>
-            <a:off x="134680" y="404721"/>
-            <a:ext cx="492303" cy="492303"/>
-          </a:xfrm>
-          <a:prstGeom prst="rect">
-            <a:avLst/>
-          </a:prstGeom>
-        </p:spPr>
-      </p:pic>
       <p:grpSp>
         <p:nvGrpSpPr>
           <p:cNvPr id="21" name="Group 20">
@@ -8859,7 +9146,7 @@
             <p:nvPr userDrawn="1"/>
           </p:nvPicPr>
           <p:blipFill>
-            <a:blip r:embed="rId4" cstate="screen">
+            <a:blip r:embed="rId2" cstate="screen">
               <a:extLst>
                 <a:ext uri="{28A0092B-C50C-407E-A947-70E740481C1C}">
                   <a14:useLocalDpi xmlns:a14="http://schemas.microsoft.com/office/drawing/2010/main"/>
@@ -8882,42 +9169,6 @@
           </p:spPr>
         </p:pic>
       </p:grpSp>
-      <p:pic>
-        <p:nvPicPr>
-          <p:cNvPr id="2" name="Graphic 1" descr="Storytelling with solid fill">
-            <a:extLst>
-              <a:ext uri="{FF2B5EF4-FFF2-40B4-BE49-F238E27FC236}">
-                <a16:creationId xmlns:a16="http://schemas.microsoft.com/office/drawing/2014/main" id="{1D1FC96D-48FC-15AE-6AA4-350B488073D7}"/>
-              </a:ext>
-            </a:extLst>
-          </p:cNvPr>
-          <p:cNvPicPr>
-            <a:picLocks noChangeAspect="1"/>
-          </p:cNvPicPr>
-          <p:nvPr/>
-        </p:nvPicPr>
-        <p:blipFill>
-          <a:blip r:embed="rId5">
-            <a:extLst>
-              <a:ext uri="{96DAC541-7B7A-43D3-8B79-37D633B846F1}">
-                <asvg:svgBlip xmlns:asvg="http://schemas.microsoft.com/office/drawing/2016/SVG/main" r:embed="rId6"/>
-              </a:ext>
-            </a:extLst>
-          </a:blip>
-          <a:stretch>
-            <a:fillRect/>
-          </a:stretch>
-        </p:blipFill>
-        <p:spPr>
-          <a:xfrm>
-            <a:off x="2421425" y="424426"/>
-            <a:ext cx="416365" cy="416365"/>
-          </a:xfrm>
-          <a:prstGeom prst="rect">
-            <a:avLst/>
-          </a:prstGeom>
-        </p:spPr>
-      </p:pic>
       <p:sp>
         <p:nvSpPr>
           <p:cNvPr id="3" name="Text Placeholder 2">
@@ -9138,7 +9389,7 @@
                   <a:schemeClr val="tx2"/>
                 </a:solidFill>
               </a:rPr>
-              <a:t>      Number of items: 100</a:t>
+              <a:t>      Number of items: 1500</a:t>
             </a:r>
           </a:p>
           <a:p>
@@ -9159,7 +9410,7 @@
                   <a:schemeClr val="tx2"/>
                 </a:solidFill>
               </a:rPr>
-              <a:t>Number of knapsacks: 20  </a:t>
+              <a:t>Number of knapsacks: 20</a:t>
             </a:r>
           </a:p>
           <a:p>
@@ -9186,7 +9437,7 @@
                   <a:schemeClr val="tx2"/>
                 </a:solidFill>
               </a:rPr>
-              <a:t>Randomly generated between  (consistent for all cases) </a:t>
+              <a:t>Randomly generated between 1 to 45 (consistent for all cases) </a:t>
             </a:r>
             <a:endParaRPr lang="en-GB" sz="1400" b="1" dirty="0">
               <a:solidFill>
@@ -9211,7 +9462,7 @@
                   <a:schemeClr val="tx2"/>
                 </a:solidFill>
               </a:rPr>
-              <a:t>Randomly generated between (consistent for all cases) </a:t>
+              <a:t>Randomly generated between 1 to 45 (consistent for all cases) </a:t>
             </a:r>
             <a:endParaRPr lang="en-GB" sz="1400" b="1" u="sng" dirty="0">
               <a:solidFill>
@@ -9237,7 +9488,7 @@
                   <a:schemeClr val="tx2"/>
                 </a:solidFill>
               </a:rPr>
-              <a:t>Randomly generated between (consistent for all cases) </a:t>
+              <a:t>Randomly generated between 50 to 500 (consistent for all cases) </a:t>
             </a:r>
             <a:endParaRPr lang="en-GB" sz="1400" b="1" u="sng" dirty="0">
               <a:solidFill>
@@ -9312,10 +9563,10 @@
           <p:nvPr/>
         </p:nvPicPr>
         <p:blipFill>
-          <a:blip r:embed="rId7">
+          <a:blip r:embed="rId3">
             <a:extLst>
               <a:ext uri="{96DAC541-7B7A-43D3-8B79-37D633B846F1}">
-                <asvg:svgBlip xmlns:asvg="http://schemas.microsoft.com/office/drawing/2016/SVG/main" r:embed="rId8"/>
+                <asvg:svgBlip xmlns:asvg="http://schemas.microsoft.com/office/drawing/2016/SVG/main" r:embed="rId4"/>
               </a:ext>
             </a:extLst>
           </a:blip>
@@ -9348,10 +9599,10 @@
           <p:nvPr/>
         </p:nvPicPr>
         <p:blipFill>
-          <a:blip r:embed="rId9">
+          <a:blip r:embed="rId5">
             <a:extLst>
               <a:ext uri="{96DAC541-7B7A-43D3-8B79-37D633B846F1}">
-                <asvg:svgBlip xmlns:asvg="http://schemas.microsoft.com/office/drawing/2016/SVG/main" r:embed="rId10"/>
+                <asvg:svgBlip xmlns:asvg="http://schemas.microsoft.com/office/drawing/2016/SVG/main" r:embed="rId6"/>
               </a:ext>
             </a:extLst>
           </a:blip>
@@ -9362,6 +9613,42 @@
           <a:xfrm>
             <a:off x="469931" y="1686408"/>
             <a:ext cx="342456" cy="342456"/>
+          </a:xfrm>
+          <a:prstGeom prst="rect">
+            <a:avLst/>
+          </a:prstGeom>
+        </p:spPr>
+      </p:pic>
+      <p:pic>
+        <p:nvPicPr>
+          <p:cNvPr id="4" name="Graphic 3" descr="Storytelling with solid fill">
+            <a:extLst>
+              <a:ext uri="{FF2B5EF4-FFF2-40B4-BE49-F238E27FC236}">
+                <a16:creationId xmlns:a16="http://schemas.microsoft.com/office/drawing/2014/main" id="{E6EC1FDD-2E06-3BDA-9746-D60ADBF39121}"/>
+              </a:ext>
+            </a:extLst>
+          </p:cNvPr>
+          <p:cNvPicPr>
+            <a:picLocks noChangeAspect="1"/>
+          </p:cNvPicPr>
+          <p:nvPr/>
+        </p:nvPicPr>
+        <p:blipFill>
+          <a:blip r:embed="rId7">
+            <a:extLst>
+              <a:ext uri="{96DAC541-7B7A-43D3-8B79-37D633B846F1}">
+                <asvg:svgBlip xmlns:asvg="http://schemas.microsoft.com/office/drawing/2016/SVG/main" r:embed="rId8"/>
+              </a:ext>
+            </a:extLst>
+          </a:blip>
+          <a:stretch>
+            <a:fillRect/>
+          </a:stretch>
+        </p:blipFill>
+        <p:spPr>
+          <a:xfrm>
+            <a:off x="203530" y="424426"/>
+            <a:ext cx="416365" cy="416365"/>
           </a:xfrm>
           <a:prstGeom prst="rect">
             <a:avLst/>
@@ -9553,8 +9840,8 @@
         </p:nvSpPr>
         <p:spPr>
           <a:xfrm>
-            <a:off x="624336" y="463332"/>
-            <a:ext cx="2123305" cy="338554"/>
+            <a:off x="624336" y="352003"/>
+            <a:ext cx="2123305" cy="584775"/>
           </a:xfrm>
           <a:prstGeom prst="rect">
             <a:avLst/>
@@ -9573,7 +9860,17 @@
                   <a:srgbClr val="595959"/>
                 </a:solidFill>
               </a:rPr>
-              <a:t>Exact solution</a:t>
+              <a:t>Solution </a:t>
+            </a:r>
+          </a:p>
+          <a:p>
+            <a:r>
+              <a:rPr lang="en-GB" sz="1600" b="1" dirty="0">
+                <a:solidFill>
+                  <a:srgbClr val="595959"/>
+                </a:solidFill>
+              </a:rPr>
+              <a:t>algorithms</a:t>
             </a:r>
           </a:p>
         </p:txBody>
@@ -9977,42 +10274,6 @@
           </p:spPr>
         </p:pic>
       </p:grpSp>
-      <p:pic>
-        <p:nvPicPr>
-          <p:cNvPr id="3" name="Graphic 2" descr="Circles with arrows with solid fill">
-            <a:extLst>
-              <a:ext uri="{FF2B5EF4-FFF2-40B4-BE49-F238E27FC236}">
-                <a16:creationId xmlns:a16="http://schemas.microsoft.com/office/drawing/2014/main" id="{C95D41DF-D0C2-93AA-0E34-CB40ACB55325}"/>
-              </a:ext>
-            </a:extLst>
-          </p:cNvPr>
-          <p:cNvPicPr>
-            <a:picLocks noChangeAspect="1"/>
-          </p:cNvPicPr>
-          <p:nvPr/>
-        </p:nvPicPr>
-        <p:blipFill>
-          <a:blip r:embed="rId5">
-            <a:extLst>
-              <a:ext uri="{96DAC541-7B7A-43D3-8B79-37D633B846F1}">
-                <asvg:svgBlip xmlns:asvg="http://schemas.microsoft.com/office/drawing/2016/SVG/main" r:embed="rId6"/>
-              </a:ext>
-            </a:extLst>
-          </a:blip>
-          <a:stretch>
-            <a:fillRect/>
-          </a:stretch>
-        </p:blipFill>
-        <p:spPr>
-          <a:xfrm>
-            <a:off x="2423042" y="397057"/>
-            <a:ext cx="537133" cy="537133"/>
-          </a:xfrm>
-          <a:prstGeom prst="rect">
-            <a:avLst/>
-          </a:prstGeom>
-        </p:spPr>
-      </p:pic>
       <p:sp>
         <p:nvSpPr>
           <p:cNvPr id="6" name="Text Placeholder 2">
@@ -10211,21 +10472,63 @@
             </a:lvl9pPr>
           </a:lstStyle>
           <a:p>
-            <a:pPr defTabSz="914400"/>
+            <a:pPr marL="0" indent="0" defTabSz="914400">
+              <a:buNone/>
+            </a:pPr>
             <a:r>
               <a:rPr lang="en-US" sz="1400" dirty="0">
                 <a:ea typeface="Times New Roman" panose="02020603050405020304" pitchFamily="18" charset="0"/>
               </a:rPr>
-              <a:t>What is exact solution method? </a:t>
+              <a:t>We developed and tested 3 solutions algorithm to solve the given instance </a:t>
             </a:r>
           </a:p>
           <a:p>
-            <a:pPr marL="0" indent="0" defTabSz="914400">
-              <a:buNone/>
+            <a:pPr marL="342900" indent="-342900" defTabSz="914400">
+              <a:buFont typeface="+mj-lt"/>
+              <a:buAutoNum type="arabicParenR"/>
             </a:pPr>
-            <a:endParaRPr lang="en-US" sz="1400" dirty="0">
-              <a:ea typeface="Times New Roman" panose="02020603050405020304" pitchFamily="18" charset="0"/>
-            </a:endParaRPr>
+            <a:r>
+              <a:rPr lang="en-US" sz="1400" dirty="0">
+                <a:ea typeface="Times New Roman" panose="02020603050405020304" pitchFamily="18" charset="0"/>
+              </a:rPr>
+              <a:t>Using an optimization solver like </a:t>
+            </a:r>
+            <a:r>
+              <a:rPr lang="en-US" sz="1400" dirty="0" err="1">
+                <a:ea typeface="Times New Roman" panose="02020603050405020304" pitchFamily="18" charset="0"/>
+              </a:rPr>
+              <a:t>JuMP</a:t>
+            </a:r>
+            <a:r>
+              <a:rPr lang="en-US" sz="1400" dirty="0">
+                <a:ea typeface="Times New Roman" panose="02020603050405020304" pitchFamily="18" charset="0"/>
+              </a:rPr>
+              <a:t> (exact)</a:t>
+            </a:r>
+          </a:p>
+          <a:p>
+            <a:pPr marL="342900" indent="-342900" defTabSz="914400">
+              <a:buFont typeface="+mj-lt"/>
+              <a:buAutoNum type="arabicParenR"/>
+            </a:pPr>
+            <a:r>
+              <a:rPr lang="en-US" sz="1400" dirty="0">
+                <a:ea typeface="Times New Roman" panose="02020603050405020304" pitchFamily="18" charset="0"/>
+              </a:rPr>
+              <a:t>Column generation (exact)</a:t>
+            </a:r>
+          </a:p>
+          <a:p>
+            <a:pPr marL="342900" indent="-342900" defTabSz="914400">
+              <a:buFont typeface="+mj-lt"/>
+              <a:buAutoNum type="arabicParenR"/>
+            </a:pPr>
+            <a:r>
+              <a:rPr lang="en-US" sz="1400" dirty="0">
+                <a:ea typeface="Times New Roman" panose="02020603050405020304" pitchFamily="18" charset="0"/>
+              </a:rPr>
+              <a:t>Greedy algorithm (heuristics) </a:t>
+            </a:r>
           </a:p>
           <a:p>
             <a:pPr marL="0" indent="0" defTabSz="914400">
@@ -10241,25 +10544,7 @@
               <a:rPr lang="en-US" sz="1400" dirty="0">
                 <a:ea typeface="Times New Roman" panose="02020603050405020304" pitchFamily="18" charset="0"/>
               </a:rPr>
-              <a:t>Using an optimization solver like </a:t>
-            </a:r>
-            <a:r>
-              <a:rPr lang="en-US" sz="1400" dirty="0" err="1">
-                <a:ea typeface="Times New Roman" panose="02020603050405020304" pitchFamily="18" charset="0"/>
-              </a:rPr>
-              <a:t>JuMP</a:t>
-            </a:r>
-            <a:endParaRPr lang="en-US" sz="1400" dirty="0">
-              <a:ea typeface="Times New Roman" panose="02020603050405020304" pitchFamily="18" charset="0"/>
-            </a:endParaRPr>
-          </a:p>
-          <a:p>
-            <a:pPr defTabSz="914400"/>
-            <a:r>
-              <a:rPr lang="en-US" sz="1400" dirty="0">
-                <a:ea typeface="Times New Roman" panose="02020603050405020304" pitchFamily="18" charset="0"/>
-              </a:rPr>
-              <a:t>Dynamic programming </a:t>
+              <a:t>Exact methods always give you the optimal solution, but computational time increases as the instance gets bigger.</a:t>
             </a:r>
           </a:p>
           <a:p>
@@ -10268,11 +10553,46 @@
               <a:rPr lang="en-US" sz="1400" dirty="0">
                 <a:ea typeface="Times New Roman" panose="02020603050405020304" pitchFamily="18" charset="0"/>
               </a:rPr>
-              <a:t>Column generation </a:t>
+              <a:t>Heuristics methods do not always give you the optimal solution, but computational time tends to be much smaller than the exact method. </a:t>
             </a:r>
           </a:p>
         </p:txBody>
       </p:sp>
+      <p:pic>
+        <p:nvPicPr>
+          <p:cNvPr id="4" name="Graphic 3" descr="Cause And Effect with solid fill">
+            <a:extLst>
+              <a:ext uri="{FF2B5EF4-FFF2-40B4-BE49-F238E27FC236}">
+                <a16:creationId xmlns:a16="http://schemas.microsoft.com/office/drawing/2014/main" id="{867B6B93-A4D6-CCDD-B9AC-5954D6E07080}"/>
+              </a:ext>
+            </a:extLst>
+          </p:cNvPr>
+          <p:cNvPicPr>
+            <a:picLocks noChangeAspect="1"/>
+          </p:cNvPicPr>
+          <p:nvPr/>
+        </p:nvPicPr>
+        <p:blipFill>
+          <a:blip r:embed="rId5">
+            <a:extLst>
+              <a:ext uri="{96DAC541-7B7A-43D3-8B79-37D633B846F1}">
+                <asvg:svgBlip xmlns:asvg="http://schemas.microsoft.com/office/drawing/2016/SVG/main" r:embed="rId6"/>
+              </a:ext>
+            </a:extLst>
+          </a:blip>
+          <a:srcRect/>
+          <a:stretch/>
+        </p:blipFill>
+        <p:spPr>
+          <a:xfrm>
+            <a:off x="2440983" y="443575"/>
+            <a:ext cx="448426" cy="448426"/>
+          </a:xfrm>
+          <a:prstGeom prst="rect">
+            <a:avLst/>
+          </a:prstGeom>
+        </p:spPr>
+      </p:pic>
     </p:spTree>
     <p:extLst>
       <p:ext uri="{BB962C8B-B14F-4D97-AF65-F5344CB8AC3E}">
@@ -10652,45 +10972,6 @@
           </a:p>
         </p:txBody>
       </p:sp>
-      <p:pic>
-        <p:nvPicPr>
-          <p:cNvPr id="2" name="Graphic 1" descr="Badge with solid fill">
-            <a:extLst>
-              <a:ext uri="{FF2B5EF4-FFF2-40B4-BE49-F238E27FC236}">
-                <a16:creationId xmlns:a16="http://schemas.microsoft.com/office/drawing/2014/main" id="{89351710-FBFB-FF98-E31F-719C62F4E7F9}"/>
-              </a:ext>
-            </a:extLst>
-          </p:cNvPr>
-          <p:cNvPicPr>
-            <a:picLocks noChangeAspect="1"/>
-          </p:cNvPicPr>
-          <p:nvPr/>
-        </p:nvPicPr>
-        <p:blipFill>
-          <a:blip r:embed="rId2">
-            <a:extLst>
-              <a:ext uri="{28A0092B-C50C-407E-A947-70E740481C1C}">
-                <a14:useLocalDpi xmlns:a14="http://schemas.microsoft.com/office/drawing/2010/main" val="0"/>
-              </a:ext>
-              <a:ext uri="{96DAC541-7B7A-43D3-8B79-37D633B846F1}">
-                <asvg:svgBlip xmlns:asvg="http://schemas.microsoft.com/office/drawing/2016/SVG/main" r:embed="rId3"/>
-              </a:ext>
-            </a:extLst>
-          </a:blip>
-          <a:stretch>
-            <a:fillRect/>
-          </a:stretch>
-        </p:blipFill>
-        <p:spPr>
-          <a:xfrm>
-            <a:off x="131136" y="397057"/>
-            <a:ext cx="493200" cy="493200"/>
-          </a:xfrm>
-          <a:prstGeom prst="rect">
-            <a:avLst/>
-          </a:prstGeom>
-        </p:spPr>
-      </p:pic>
       <p:grpSp>
         <p:nvGrpSpPr>
           <p:cNvPr id="8" name="Group 7">
@@ -10859,7 +11140,7 @@
             <p:nvPr userDrawn="1"/>
           </p:nvPicPr>
           <p:blipFill>
-            <a:blip r:embed="rId4" cstate="screen">
+            <a:blip r:embed="rId2" cstate="screen">
               <a:extLst>
                 <a:ext uri="{28A0092B-C50C-407E-A947-70E740481C1C}">
                   <a14:useLocalDpi xmlns:a14="http://schemas.microsoft.com/office/drawing/2010/main"/>
@@ -10882,42 +11163,6 @@
           </p:spPr>
         </p:pic>
       </p:grpSp>
-      <p:pic>
-        <p:nvPicPr>
-          <p:cNvPr id="3" name="Graphic 2" descr="Circles with arrows with solid fill">
-            <a:extLst>
-              <a:ext uri="{FF2B5EF4-FFF2-40B4-BE49-F238E27FC236}">
-                <a16:creationId xmlns:a16="http://schemas.microsoft.com/office/drawing/2014/main" id="{C95D41DF-D0C2-93AA-0E34-CB40ACB55325}"/>
-              </a:ext>
-            </a:extLst>
-          </p:cNvPr>
-          <p:cNvPicPr>
-            <a:picLocks noChangeAspect="1"/>
-          </p:cNvPicPr>
-          <p:nvPr/>
-        </p:nvPicPr>
-        <p:blipFill>
-          <a:blip r:embed="rId5">
-            <a:extLst>
-              <a:ext uri="{96DAC541-7B7A-43D3-8B79-37D633B846F1}">
-                <asvg:svgBlip xmlns:asvg="http://schemas.microsoft.com/office/drawing/2016/SVG/main" r:embed="rId6"/>
-              </a:ext>
-            </a:extLst>
-          </a:blip>
-          <a:stretch>
-            <a:fillRect/>
-          </a:stretch>
-        </p:blipFill>
-        <p:spPr>
-          <a:xfrm>
-            <a:off x="2423042" y="397057"/>
-            <a:ext cx="537133" cy="537133"/>
-          </a:xfrm>
-          <a:prstGeom prst="rect">
-            <a:avLst/>
-          </a:prstGeom>
-        </p:spPr>
-      </p:pic>
       <p:sp>
         <p:nvSpPr>
           <p:cNvPr id="6" name="Text Placeholder 2">
@@ -11121,80 +11366,58 @@
               <a:rPr lang="en-US" sz="1400" dirty="0">
                 <a:ea typeface="Times New Roman" panose="02020603050405020304" pitchFamily="18" charset="0"/>
               </a:rPr>
-              <a:t>A demand-responsive feeder service (DRFS) operated by publicly funded transport network companies (TNC) in a rural area.</a:t>
+              <a:t>We used commercial solver </a:t>
             </a:r>
-          </a:p>
-          <a:p>
-            <a:pPr defTabSz="914400"/>
             <a:r>
-              <a:rPr lang="en-US" sz="1400" dirty="0">
+              <a:rPr lang="en-US" sz="1400" dirty="0" err="1">
                 <a:ea typeface="Times New Roman" panose="02020603050405020304" pitchFamily="18" charset="0"/>
               </a:rPr>
-              <a:t>TNC owns enough gasoline vehicles (GV) to cover the current demand. </a:t>
-            </a:r>
-          </a:p>
-          <a:p>
-            <a:pPr defTabSz="914400"/>
-            <a:r>
-              <a:rPr lang="en-US" sz="1400" dirty="0">
-                <a:ea typeface="Times New Roman" panose="02020603050405020304" pitchFamily="18" charset="0"/>
-              </a:rPr>
-              <a:t>They are interested in investing in the electrification of (part of) the fleet to reduce the total CO</a:t>
-            </a:r>
-            <a:r>
-              <a:rPr lang="en-US" sz="1400" baseline="-25000" dirty="0">
-                <a:ea typeface="Times New Roman" panose="02020603050405020304" pitchFamily="18" charset="0"/>
-              </a:rPr>
-              <a:t>2</a:t>
+              <a:t>JuMP</a:t>
             </a:r>
             <a:r>
               <a:rPr lang="en-US" sz="1400" dirty="0">
                 <a:ea typeface="Times New Roman" panose="02020603050405020304" pitchFamily="18" charset="0"/>
               </a:rPr>
-              <a:t> emissions.</a:t>
-            </a:r>
-          </a:p>
-          <a:p>
-            <a:pPr defTabSz="914400"/>
-            <a:r>
-              <a:rPr lang="en-US" sz="1400" dirty="0">
-                <a:ea typeface="Times New Roman" panose="02020603050405020304" pitchFamily="18" charset="0"/>
-              </a:rPr>
-              <a:t>Given the targeted CO</a:t>
-            </a:r>
-            <a:r>
-              <a:rPr lang="en-US" sz="1400" baseline="-25000" dirty="0">
-                <a:ea typeface="Times New Roman" panose="02020603050405020304" pitchFamily="18" charset="0"/>
-              </a:rPr>
-              <a:t>2</a:t>
-            </a:r>
-            <a:r>
-              <a:rPr lang="en-US" sz="1400" dirty="0">
-                <a:ea typeface="Times New Roman" panose="02020603050405020304" pitchFamily="18" charset="0"/>
-              </a:rPr>
-              <a:t> reduction rate, their aim is to minimize the electrification cost of DRFS while satisfying stochastic customer demand with a certain service level.</a:t>
-            </a:r>
-          </a:p>
-          <a:p>
-            <a:pPr defTabSz="914400"/>
-            <a:r>
-              <a:rPr lang="en-US" sz="1400" dirty="0">
-                <a:ea typeface="Times New Roman" panose="02020603050405020304" pitchFamily="18" charset="0"/>
-              </a:rPr>
-              <a:t> There are several candidate locations for building charging stations where multiple chargers can be installed allowing multiple EVs to be charged simultaneously. </a:t>
-            </a:r>
-          </a:p>
-          <a:p>
-            <a:pPr defTabSz="914400"/>
-            <a:r>
-              <a:rPr lang="en-US" sz="1400" dirty="0">
-                <a:ea typeface="Times New Roman" panose="02020603050405020304" pitchFamily="18" charset="0"/>
-              </a:rPr>
-              <a:t>The number of chargers per station is limited depending on charger types so that the maximum total power usage from the grid does not exceed its capacity. </a:t>
+              <a:t> on Julia </a:t>
             </a:r>
           </a:p>
         </p:txBody>
       </p:sp>
+      <p:pic>
+        <p:nvPicPr>
+          <p:cNvPr id="4" name="Graphic 3" descr="Cause And Effect with solid fill">
+            <a:extLst>
+              <a:ext uri="{FF2B5EF4-FFF2-40B4-BE49-F238E27FC236}">
+                <a16:creationId xmlns:a16="http://schemas.microsoft.com/office/drawing/2014/main" id="{A60B48B7-B72D-2947-B45D-8B2167B785A2}"/>
+              </a:ext>
+            </a:extLst>
+          </p:cNvPr>
+          <p:cNvPicPr>
+            <a:picLocks noChangeAspect="1"/>
+          </p:cNvPicPr>
+          <p:nvPr/>
+        </p:nvPicPr>
+        <p:blipFill>
+          <a:blip r:embed="rId3">
+            <a:extLst>
+              <a:ext uri="{96DAC541-7B7A-43D3-8B79-37D633B846F1}">
+                <asvg:svgBlip xmlns:asvg="http://schemas.microsoft.com/office/drawing/2016/SVG/main" r:embed="rId4"/>
+              </a:ext>
+            </a:extLst>
+          </a:blip>
+          <a:srcRect/>
+          <a:stretch/>
+        </p:blipFill>
+        <p:spPr>
+          <a:xfrm>
+            <a:off x="175910" y="408396"/>
+            <a:ext cx="448426" cy="448426"/>
+          </a:xfrm>
+          <a:prstGeom prst="rect">
+            <a:avLst/>
+          </a:prstGeom>
+        </p:spPr>
+      </p:pic>
     </p:spTree>
     <p:extLst>
       <p:ext uri="{BB962C8B-B14F-4D97-AF65-F5344CB8AC3E}">
@@ -11380,8 +11603,8 @@
         </p:nvSpPr>
         <p:spPr>
           <a:xfrm>
-            <a:off x="624336" y="352003"/>
-            <a:ext cx="2123305" cy="584775"/>
+            <a:off x="546364" y="465334"/>
+            <a:ext cx="2123305" cy="338554"/>
           </a:xfrm>
           <a:prstGeom prst="rect">
             <a:avLst/>
@@ -11400,7 +11623,7 @@
                   <a:srgbClr val="595959"/>
                 </a:solidFill>
               </a:rPr>
-              <a:t>Dynamic Programming</a:t>
+              <a:t>Column generation</a:t>
             </a:r>
           </a:p>
         </p:txBody>
@@ -11574,45 +11797,6 @@
           </a:p>
         </p:txBody>
       </p:sp>
-      <p:pic>
-        <p:nvPicPr>
-          <p:cNvPr id="2" name="Graphic 1" descr="Badge with solid fill">
-            <a:extLst>
-              <a:ext uri="{FF2B5EF4-FFF2-40B4-BE49-F238E27FC236}">
-                <a16:creationId xmlns:a16="http://schemas.microsoft.com/office/drawing/2014/main" id="{89351710-FBFB-FF98-E31F-719C62F4E7F9}"/>
-              </a:ext>
-            </a:extLst>
-          </p:cNvPr>
-          <p:cNvPicPr>
-            <a:picLocks noChangeAspect="1"/>
-          </p:cNvPicPr>
-          <p:nvPr/>
-        </p:nvPicPr>
-        <p:blipFill>
-          <a:blip r:embed="rId2">
-            <a:extLst>
-              <a:ext uri="{28A0092B-C50C-407E-A947-70E740481C1C}">
-                <a14:useLocalDpi xmlns:a14="http://schemas.microsoft.com/office/drawing/2010/main" val="0"/>
-              </a:ext>
-              <a:ext uri="{96DAC541-7B7A-43D3-8B79-37D633B846F1}">
-                <asvg:svgBlip xmlns:asvg="http://schemas.microsoft.com/office/drawing/2016/SVG/main" r:embed="rId3"/>
-              </a:ext>
-            </a:extLst>
-          </a:blip>
-          <a:stretch>
-            <a:fillRect/>
-          </a:stretch>
-        </p:blipFill>
-        <p:spPr>
-          <a:xfrm>
-            <a:off x="131136" y="397057"/>
-            <a:ext cx="493200" cy="493200"/>
-          </a:xfrm>
-          <a:prstGeom prst="rect">
-            <a:avLst/>
-          </a:prstGeom>
-        </p:spPr>
-      </p:pic>
       <p:grpSp>
         <p:nvGrpSpPr>
           <p:cNvPr id="8" name="Group 7">
@@ -11781,7 +11965,7 @@
             <p:nvPr userDrawn="1"/>
           </p:nvPicPr>
           <p:blipFill>
-            <a:blip r:embed="rId4" cstate="screen">
+            <a:blip r:embed="rId2" cstate="screen">
               <a:extLst>
                 <a:ext uri="{28A0092B-C50C-407E-A947-70E740481C1C}">
                   <a14:useLocalDpi xmlns:a14="http://schemas.microsoft.com/office/drawing/2010/main"/>
@@ -11804,42 +11988,6 @@
           </p:spPr>
         </p:pic>
       </p:grpSp>
-      <p:pic>
-        <p:nvPicPr>
-          <p:cNvPr id="3" name="Graphic 2" descr="Circles with arrows with solid fill">
-            <a:extLst>
-              <a:ext uri="{FF2B5EF4-FFF2-40B4-BE49-F238E27FC236}">
-                <a16:creationId xmlns:a16="http://schemas.microsoft.com/office/drawing/2014/main" id="{C95D41DF-D0C2-93AA-0E34-CB40ACB55325}"/>
-              </a:ext>
-            </a:extLst>
-          </p:cNvPr>
-          <p:cNvPicPr>
-            <a:picLocks noChangeAspect="1"/>
-          </p:cNvPicPr>
-          <p:nvPr/>
-        </p:nvPicPr>
-        <p:blipFill>
-          <a:blip r:embed="rId5">
-            <a:extLst>
-              <a:ext uri="{96DAC541-7B7A-43D3-8B79-37D633B846F1}">
-                <asvg:svgBlip xmlns:asvg="http://schemas.microsoft.com/office/drawing/2016/SVG/main" r:embed="rId6"/>
-              </a:ext>
-            </a:extLst>
-          </a:blip>
-          <a:stretch>
-            <a:fillRect/>
-          </a:stretch>
-        </p:blipFill>
-        <p:spPr>
-          <a:xfrm>
-            <a:off x="2423042" y="397057"/>
-            <a:ext cx="537133" cy="537133"/>
-          </a:xfrm>
-          <a:prstGeom prst="rect">
-            <a:avLst/>
-          </a:prstGeom>
-        </p:spPr>
-      </p:pic>
       <p:sp>
         <p:nvSpPr>
           <p:cNvPr id="6" name="Text Placeholder 2">
@@ -12043,80 +12191,46 @@
               <a:rPr lang="en-US" sz="1400" dirty="0">
                 <a:ea typeface="Times New Roman" panose="02020603050405020304" pitchFamily="18" charset="0"/>
               </a:rPr>
-              <a:t>A demand-responsive feeder service (DRFS) operated by publicly funded transport network companies (TNC) in a rural area.</a:t>
-            </a:r>
-          </a:p>
-          <a:p>
-            <a:pPr defTabSz="914400"/>
-            <a:r>
-              <a:rPr lang="en-US" sz="1400" dirty="0">
-                <a:ea typeface="Times New Roman" panose="02020603050405020304" pitchFamily="18" charset="0"/>
-              </a:rPr>
-              <a:t>TNC owns enough gasoline vehicles (GV) to cover the current demand. </a:t>
-            </a:r>
-          </a:p>
-          <a:p>
-            <a:pPr defTabSz="914400"/>
-            <a:r>
-              <a:rPr lang="en-US" sz="1400" dirty="0">
-                <a:ea typeface="Times New Roman" panose="02020603050405020304" pitchFamily="18" charset="0"/>
-              </a:rPr>
-              <a:t>They are interested in investing in the electrification of (part of) the fleet to reduce the total CO</a:t>
-            </a:r>
-            <a:r>
-              <a:rPr lang="en-US" sz="1400" baseline="-25000" dirty="0">
-                <a:ea typeface="Times New Roman" panose="02020603050405020304" pitchFamily="18" charset="0"/>
-              </a:rPr>
-              <a:t>2</a:t>
-            </a:r>
-            <a:r>
-              <a:rPr lang="en-US" sz="1400" dirty="0">
-                <a:ea typeface="Times New Roman" panose="02020603050405020304" pitchFamily="18" charset="0"/>
-              </a:rPr>
-              <a:t> emissions.</a:t>
-            </a:r>
-          </a:p>
-          <a:p>
-            <a:pPr defTabSz="914400"/>
-            <a:r>
-              <a:rPr lang="en-US" sz="1400" dirty="0">
-                <a:ea typeface="Times New Roman" panose="02020603050405020304" pitchFamily="18" charset="0"/>
-              </a:rPr>
-              <a:t>Given the targeted CO</a:t>
-            </a:r>
-            <a:r>
-              <a:rPr lang="en-US" sz="1400" baseline="-25000" dirty="0">
-                <a:ea typeface="Times New Roman" panose="02020603050405020304" pitchFamily="18" charset="0"/>
-              </a:rPr>
-              <a:t>2</a:t>
-            </a:r>
-            <a:r>
-              <a:rPr lang="en-US" sz="1400" dirty="0">
-                <a:ea typeface="Times New Roman" panose="02020603050405020304" pitchFamily="18" charset="0"/>
-              </a:rPr>
-              <a:t> reduction rate, their aim is to minimize the electrification cost of DRFS while satisfying stochastic customer demand with a certain service level.</a:t>
-            </a:r>
-          </a:p>
-          <a:p>
-            <a:pPr defTabSz="914400"/>
-            <a:r>
-              <a:rPr lang="en-US" sz="1400" dirty="0">
-                <a:ea typeface="Times New Roman" panose="02020603050405020304" pitchFamily="18" charset="0"/>
-              </a:rPr>
-              <a:t> There are several candidate locations for building charging stations where multiple chargers can be installed allowing multiple EVs to be charged simultaneously. </a:t>
-            </a:r>
-          </a:p>
-          <a:p>
-            <a:pPr defTabSz="914400"/>
-            <a:r>
-              <a:rPr lang="en-US" sz="1400" dirty="0">
-                <a:ea typeface="Times New Roman" panose="02020603050405020304" pitchFamily="18" charset="0"/>
-              </a:rPr>
-              <a:t>The number of chargers per station is limited depending on charger types so that the maximum total power usage from the grid does not exceed its capacity. </a:t>
+              <a:t>Explanation of the column generation </a:t>
             </a:r>
           </a:p>
         </p:txBody>
       </p:sp>
+      <p:pic>
+        <p:nvPicPr>
+          <p:cNvPr id="5" name="Graphic 4" descr="Cause And Effect with solid fill">
+            <a:extLst>
+              <a:ext uri="{FF2B5EF4-FFF2-40B4-BE49-F238E27FC236}">
+                <a16:creationId xmlns:a16="http://schemas.microsoft.com/office/drawing/2014/main" id="{5C0EAE60-0965-C4F3-5B4D-8386327FA2CD}"/>
+              </a:ext>
+            </a:extLst>
+          </p:cNvPr>
+          <p:cNvPicPr>
+            <a:picLocks noChangeAspect="1"/>
+          </p:cNvPicPr>
+          <p:nvPr/>
+        </p:nvPicPr>
+        <p:blipFill>
+          <a:blip r:embed="rId3">
+            <a:extLst>
+              <a:ext uri="{96DAC541-7B7A-43D3-8B79-37D633B846F1}">
+                <asvg:svgBlip xmlns:asvg="http://schemas.microsoft.com/office/drawing/2016/SVG/main" r:embed="rId4"/>
+              </a:ext>
+            </a:extLst>
+          </a:blip>
+          <a:srcRect/>
+          <a:stretch/>
+        </p:blipFill>
+        <p:spPr>
+          <a:xfrm>
+            <a:off x="175910" y="408396"/>
+            <a:ext cx="448426" cy="448426"/>
+          </a:xfrm>
+          <a:prstGeom prst="rect">
+            <a:avLst/>
+          </a:prstGeom>
+        </p:spPr>
+      </p:pic>
     </p:spTree>
     <p:extLst>
       <p:ext uri="{BB962C8B-B14F-4D97-AF65-F5344CB8AC3E}">
@@ -12322,7 +12436,7 @@
                   <a:srgbClr val="595959"/>
                 </a:solidFill>
               </a:rPr>
-              <a:t>Column generation </a:t>
+              <a:t>Greedy method</a:t>
             </a:r>
           </a:p>
         </p:txBody>
@@ -12496,45 +12610,6 @@
           </a:p>
         </p:txBody>
       </p:sp>
-      <p:pic>
-        <p:nvPicPr>
-          <p:cNvPr id="2" name="Graphic 1" descr="Badge with solid fill">
-            <a:extLst>
-              <a:ext uri="{FF2B5EF4-FFF2-40B4-BE49-F238E27FC236}">
-                <a16:creationId xmlns:a16="http://schemas.microsoft.com/office/drawing/2014/main" id="{89351710-FBFB-FF98-E31F-719C62F4E7F9}"/>
-              </a:ext>
-            </a:extLst>
-          </p:cNvPr>
-          <p:cNvPicPr>
-            <a:picLocks noChangeAspect="1"/>
-          </p:cNvPicPr>
-          <p:nvPr/>
-        </p:nvPicPr>
-        <p:blipFill>
-          <a:blip r:embed="rId2">
-            <a:extLst>
-              <a:ext uri="{28A0092B-C50C-407E-A947-70E740481C1C}">
-                <a14:useLocalDpi xmlns:a14="http://schemas.microsoft.com/office/drawing/2010/main" val="0"/>
-              </a:ext>
-              <a:ext uri="{96DAC541-7B7A-43D3-8B79-37D633B846F1}">
-                <asvg:svgBlip xmlns:asvg="http://schemas.microsoft.com/office/drawing/2016/SVG/main" r:embed="rId3"/>
-              </a:ext>
-            </a:extLst>
-          </a:blip>
-          <a:stretch>
-            <a:fillRect/>
-          </a:stretch>
-        </p:blipFill>
-        <p:spPr>
-          <a:xfrm>
-            <a:off x="131136" y="397057"/>
-            <a:ext cx="493200" cy="493200"/>
-          </a:xfrm>
-          <a:prstGeom prst="rect">
-            <a:avLst/>
-          </a:prstGeom>
-        </p:spPr>
-      </p:pic>
       <p:grpSp>
         <p:nvGrpSpPr>
           <p:cNvPr id="8" name="Group 7">
@@ -12703,7 +12778,7 @@
             <p:nvPr userDrawn="1"/>
           </p:nvPicPr>
           <p:blipFill>
-            <a:blip r:embed="rId4" cstate="screen">
+            <a:blip r:embed="rId2" cstate="screen">
               <a:extLst>
                 <a:ext uri="{28A0092B-C50C-407E-A947-70E740481C1C}">
                   <a14:useLocalDpi xmlns:a14="http://schemas.microsoft.com/office/drawing/2010/main"/>
@@ -12726,42 +12801,6 @@
           </p:spPr>
         </p:pic>
       </p:grpSp>
-      <p:pic>
-        <p:nvPicPr>
-          <p:cNvPr id="3" name="Graphic 2" descr="Circles with arrows with solid fill">
-            <a:extLst>
-              <a:ext uri="{FF2B5EF4-FFF2-40B4-BE49-F238E27FC236}">
-                <a16:creationId xmlns:a16="http://schemas.microsoft.com/office/drawing/2014/main" id="{C95D41DF-D0C2-93AA-0E34-CB40ACB55325}"/>
-              </a:ext>
-            </a:extLst>
-          </p:cNvPr>
-          <p:cNvPicPr>
-            <a:picLocks noChangeAspect="1"/>
-          </p:cNvPicPr>
-          <p:nvPr/>
-        </p:nvPicPr>
-        <p:blipFill>
-          <a:blip r:embed="rId5">
-            <a:extLst>
-              <a:ext uri="{96DAC541-7B7A-43D3-8B79-37D633B846F1}">
-                <asvg:svgBlip xmlns:asvg="http://schemas.microsoft.com/office/drawing/2016/SVG/main" r:embed="rId6"/>
-              </a:ext>
-            </a:extLst>
-          </a:blip>
-          <a:stretch>
-            <a:fillRect/>
-          </a:stretch>
-        </p:blipFill>
-        <p:spPr>
-          <a:xfrm>
-            <a:off x="2423042" y="397057"/>
-            <a:ext cx="537133" cy="537133"/>
-          </a:xfrm>
-          <a:prstGeom prst="rect">
-            <a:avLst/>
-          </a:prstGeom>
-        </p:spPr>
-      </p:pic>
       <p:sp>
         <p:nvSpPr>
           <p:cNvPr id="6" name="Text Placeholder 2">
@@ -12965,7 +13004,7 @@
               <a:rPr lang="en-US" sz="1400" dirty="0">
                 <a:ea typeface="Times New Roman" panose="02020603050405020304" pitchFamily="18" charset="0"/>
               </a:rPr>
-              <a:t>A demand-responsive feeder service (DRFS) operated by publicly funded transport network companies (TNC) in a rural area.</a:t>
+              <a:t>Explanation of Greedy method: In summary, this function uses a greedy heuristic approach, assigning items to knapsacks based on their value-to-weight ratio, attempting to place items with higher ratios first. This is a common heuristic for knapsack problems, as it often leads to a good (though not necessarily optimal) solution quickly. The function returns the total value of items placed in the knapsacks and the specific assignment of items to knapsacks. </a:t>
             </a:r>
           </a:p>
           <a:p>
@@ -12974,7 +13013,7 @@
               <a:rPr lang="en-US" sz="1400" dirty="0">
                 <a:ea typeface="Times New Roman" panose="02020603050405020304" pitchFamily="18" charset="0"/>
               </a:rPr>
-              <a:t>TNC owns enough gasoline vehicles (GV) to cover the current demand. </a:t>
+              <a:t>Computes the value-to-weight ratio for each item.</a:t>
             </a:r>
           </a:p>
           <a:p>
@@ -12983,19 +13022,7 @@
               <a:rPr lang="en-US" sz="1400" dirty="0">
                 <a:ea typeface="Times New Roman" panose="02020603050405020304" pitchFamily="18" charset="0"/>
               </a:rPr>
-              <a:t>They are interested in investing in the electrification of (part of) the fleet to reduce the total CO</a:t>
-            </a:r>
-            <a:r>
-              <a:rPr lang="en-US" sz="1400" baseline="-25000" dirty="0">
-                <a:ea typeface="Times New Roman" panose="02020603050405020304" pitchFamily="18" charset="0"/>
-              </a:rPr>
-              <a:t>2</a:t>
-            </a:r>
-            <a:r>
-              <a:rPr lang="en-US" sz="1400" dirty="0">
-                <a:ea typeface="Times New Roman" panose="02020603050405020304" pitchFamily="18" charset="0"/>
-              </a:rPr>
-              <a:t> emissions.</a:t>
+              <a:t>  Sorts items by their value-to-weight ratio in descending order. This sorting is key to the heuristic approach, where items with higher value-to-weight ratios are considered first.</a:t>
             </a:r>
           </a:p>
           <a:p>
@@ -13004,19 +13031,7 @@
               <a:rPr lang="en-US" sz="1400" dirty="0">
                 <a:ea typeface="Times New Roman" panose="02020603050405020304" pitchFamily="18" charset="0"/>
               </a:rPr>
-              <a:t>Given the targeted CO</a:t>
-            </a:r>
-            <a:r>
-              <a:rPr lang="en-US" sz="1400" baseline="-25000" dirty="0">
-                <a:ea typeface="Times New Roman" panose="02020603050405020304" pitchFamily="18" charset="0"/>
-              </a:rPr>
-              <a:t>2</a:t>
-            </a:r>
-            <a:r>
-              <a:rPr lang="en-US" sz="1400" dirty="0">
-                <a:ea typeface="Times New Roman" panose="02020603050405020304" pitchFamily="18" charset="0"/>
-              </a:rPr>
-              <a:t> reduction rate, their aim is to minimize the electrification cost of DRFS while satisfying stochastic customer demand with a certain service level.</a:t>
+              <a:t>The outer loop iterates over the items in the order of their value-to-weight ratio.</a:t>
             </a:r>
           </a:p>
           <a:p>
@@ -13025,7 +13040,7 @@
               <a:rPr lang="en-US" sz="1400" dirty="0">
                 <a:ea typeface="Times New Roman" panose="02020603050405020304" pitchFamily="18" charset="0"/>
               </a:rPr>
-              <a:t> There are several candidate locations for building charging stations where multiple chargers can be installed allowing multiple EVs to be charged simultaneously. </a:t>
+              <a:t> The inner loop iterates over each knapsack.</a:t>
             </a:r>
           </a:p>
           <a:p>
@@ -13034,11 +13049,46 @@
               <a:rPr lang="en-US" sz="1400" dirty="0">
                 <a:ea typeface="Times New Roman" panose="02020603050405020304" pitchFamily="18" charset="0"/>
               </a:rPr>
-              <a:t>The number of chargers per station is limited depending on charger types so that the maximum total power usage from the grid does not exceed its capacity. </a:t>
+              <a:t>   If adding the current item to a knapsack does not exceed its capacity, the item is assigned to that knapsack, and its weight is added to the knapsack's total weight.</a:t>
             </a:r>
           </a:p>
         </p:txBody>
       </p:sp>
+      <p:pic>
+        <p:nvPicPr>
+          <p:cNvPr id="5" name="Graphic 4" descr="Cause And Effect with solid fill">
+            <a:extLst>
+              <a:ext uri="{FF2B5EF4-FFF2-40B4-BE49-F238E27FC236}">
+                <a16:creationId xmlns:a16="http://schemas.microsoft.com/office/drawing/2014/main" id="{64722A46-FAA4-6DE5-39B8-34FF2DCF5380}"/>
+              </a:ext>
+            </a:extLst>
+          </p:cNvPr>
+          <p:cNvPicPr>
+            <a:picLocks noChangeAspect="1"/>
+          </p:cNvPicPr>
+          <p:nvPr/>
+        </p:nvPicPr>
+        <p:blipFill>
+          <a:blip r:embed="rId3">
+            <a:extLst>
+              <a:ext uri="{96DAC541-7B7A-43D3-8B79-37D633B846F1}">
+                <asvg:svgBlip xmlns:asvg="http://schemas.microsoft.com/office/drawing/2016/SVG/main" r:embed="rId4"/>
+              </a:ext>
+            </a:extLst>
+          </a:blip>
+          <a:srcRect/>
+          <a:stretch/>
+        </p:blipFill>
+        <p:spPr>
+          <a:xfrm>
+            <a:off x="175910" y="408396"/>
+            <a:ext cx="448426" cy="448426"/>
+          </a:xfrm>
+          <a:prstGeom prst="rect">
+            <a:avLst/>
+          </a:prstGeom>
+        </p:spPr>
+      </p:pic>
     </p:spTree>
     <p:extLst>
       <p:ext uri="{BB962C8B-B14F-4D97-AF65-F5344CB8AC3E}">
@@ -13224,8 +13274,8 @@
         </p:nvSpPr>
         <p:spPr>
           <a:xfrm>
-            <a:off x="619895" y="362612"/>
-            <a:ext cx="2009713" cy="584775"/>
+            <a:off x="619895" y="482532"/>
+            <a:ext cx="2009713" cy="338554"/>
           </a:xfrm>
           <a:prstGeom prst="rect">
             <a:avLst/>
@@ -13244,7 +13294,7 @@
                   <a:srgbClr val="595959"/>
                 </a:solidFill>
               </a:rPr>
-              <a:t>Heuristics solution method</a:t>
+              <a:t>Results </a:t>
             </a:r>
           </a:p>
         </p:txBody>
@@ -13684,6 +13734,232 @@
           </a:prstGeom>
         </p:spPr>
       </p:pic>
+      <p:sp>
+        <p:nvSpPr>
+          <p:cNvPr id="9" name="Text Placeholder 2">
+            <a:extLst>
+              <a:ext uri="{FF2B5EF4-FFF2-40B4-BE49-F238E27FC236}">
+                <a16:creationId xmlns:a16="http://schemas.microsoft.com/office/drawing/2014/main" id="{73A27A80-7AFC-DEAB-A4D9-6F6174119F71}"/>
+              </a:ext>
+            </a:extLst>
+          </p:cNvPr>
+          <p:cNvSpPr txBox="1">
+            <a:spLocks/>
+          </p:cNvSpPr>
+          <p:nvPr/>
+        </p:nvSpPr>
+        <p:spPr>
+          <a:xfrm>
+            <a:off x="466820" y="1042860"/>
+            <a:ext cx="8136000" cy="3903100"/>
+          </a:xfrm>
+          <a:prstGeom prst="rect">
+            <a:avLst/>
+          </a:prstGeom>
+        </p:spPr>
+        <p:txBody>
+          <a:bodyPr/>
+          <a:lstStyle>
+            <a:lvl1pPr marL="228600" indent="-228600" algn="l" rtl="0" eaLnBrk="1" fontAlgn="base" hangingPunct="1">
+              <a:spcBef>
+                <a:spcPts val="2000"/>
+              </a:spcBef>
+              <a:spcAft>
+                <a:spcPct val="0"/>
+              </a:spcAft>
+              <a:buClr>
+                <a:schemeClr val="accent1"/>
+              </a:buClr>
+              <a:buSzPct val="75000"/>
+              <a:buFont typeface="Wingdings" charset="0"/>
+              <a:buChar char="n"/>
+              <a:defRPr sz="2000" kern="1200">
+                <a:solidFill>
+                  <a:srgbClr val="595959"/>
+                </a:solidFill>
+                <a:latin typeface="+mn-lt"/>
+                <a:ea typeface="ＭＳ Ｐゴシック" charset="0"/>
+                <a:cs typeface="ＭＳ Ｐゴシック" charset="0"/>
+              </a:defRPr>
+            </a:lvl1pPr>
+            <a:lvl2pPr marL="457200" indent="-228600" algn="l" rtl="0" eaLnBrk="1" fontAlgn="base" hangingPunct="1">
+              <a:spcBef>
+                <a:spcPts val="600"/>
+              </a:spcBef>
+              <a:spcAft>
+                <a:spcPct val="0"/>
+              </a:spcAft>
+              <a:buClr>
+                <a:srgbClr val="7ACBE0"/>
+              </a:buClr>
+              <a:buSzPct val="75000"/>
+              <a:buFont typeface="Wingdings" charset="0"/>
+              <a:buChar char="n"/>
+              <a:defRPr kern="1200">
+                <a:solidFill>
+                  <a:srgbClr val="595959"/>
+                </a:solidFill>
+                <a:latin typeface="+mn-lt"/>
+                <a:ea typeface="ＭＳ Ｐゴシック" charset="0"/>
+                <a:cs typeface="+mn-cs"/>
+              </a:defRPr>
+            </a:lvl2pPr>
+            <a:lvl3pPr marL="685800" indent="-228600" algn="l" rtl="0" eaLnBrk="1" fontAlgn="base" hangingPunct="1">
+              <a:spcBef>
+                <a:spcPts val="600"/>
+              </a:spcBef>
+              <a:spcAft>
+                <a:spcPct val="0"/>
+              </a:spcAft>
+              <a:buClr>
+                <a:schemeClr val="accent1"/>
+              </a:buClr>
+              <a:buSzPct val="75000"/>
+              <a:buFont typeface="Wingdings" charset="0"/>
+              <a:buChar char="n"/>
+              <a:defRPr kern="1200">
+                <a:solidFill>
+                  <a:srgbClr val="595959"/>
+                </a:solidFill>
+                <a:latin typeface="+mn-lt"/>
+                <a:ea typeface="ＭＳ Ｐゴシック" charset="0"/>
+                <a:cs typeface="+mn-cs"/>
+              </a:defRPr>
+            </a:lvl3pPr>
+            <a:lvl4pPr marL="914400" indent="-228600" algn="l" rtl="0" eaLnBrk="1" fontAlgn="base" hangingPunct="1">
+              <a:spcBef>
+                <a:spcPts val="600"/>
+              </a:spcBef>
+              <a:spcAft>
+                <a:spcPct val="0"/>
+              </a:spcAft>
+              <a:buClr>
+                <a:srgbClr val="7ACBE0"/>
+              </a:buClr>
+              <a:buSzPct val="75000"/>
+              <a:buFont typeface="Wingdings" charset="0"/>
+              <a:buChar char="n"/>
+              <a:defRPr kern="1200">
+                <a:solidFill>
+                  <a:srgbClr val="595959"/>
+                </a:solidFill>
+                <a:latin typeface="+mn-lt"/>
+                <a:ea typeface="ＭＳ Ｐゴシック" charset="0"/>
+                <a:cs typeface="+mn-cs"/>
+              </a:defRPr>
+            </a:lvl4pPr>
+            <a:lvl5pPr marL="1143000" indent="-228600" algn="l" rtl="0" eaLnBrk="1" fontAlgn="base" hangingPunct="1">
+              <a:spcBef>
+                <a:spcPts val="600"/>
+              </a:spcBef>
+              <a:spcAft>
+                <a:spcPct val="0"/>
+              </a:spcAft>
+              <a:buClr>
+                <a:schemeClr val="accent1"/>
+              </a:buClr>
+              <a:buSzPct val="75000"/>
+              <a:buFont typeface="Wingdings" charset="0"/>
+              <a:buChar char="n"/>
+              <a:defRPr kern="1200">
+                <a:solidFill>
+                  <a:srgbClr val="595959"/>
+                </a:solidFill>
+                <a:latin typeface="+mn-lt"/>
+                <a:ea typeface="ＭＳ Ｐゴシック" charset="0"/>
+                <a:cs typeface="+mn-cs"/>
+              </a:defRPr>
+            </a:lvl5pPr>
+            <a:lvl6pPr marL="2514600" indent="-228600" algn="l" defTabSz="914400" rtl="0" eaLnBrk="1" latinLnBrk="0" hangingPunct="1">
+              <a:spcBef>
+                <a:spcPct val="20000"/>
+              </a:spcBef>
+              <a:buFont typeface="Arial" pitchFamily="34" charset="0"/>
+              <a:buChar char="•"/>
+              <a:defRPr sz="2000" kern="1200">
+                <a:solidFill>
+                  <a:schemeClr val="tx1"/>
+                </a:solidFill>
+                <a:latin typeface="+mn-lt"/>
+                <a:ea typeface="+mn-ea"/>
+                <a:cs typeface="+mn-cs"/>
+              </a:defRPr>
+            </a:lvl6pPr>
+            <a:lvl7pPr marL="2971800" indent="-228600" algn="l" defTabSz="914400" rtl="0" eaLnBrk="1" latinLnBrk="0" hangingPunct="1">
+              <a:spcBef>
+                <a:spcPct val="20000"/>
+              </a:spcBef>
+              <a:buFont typeface="Arial" pitchFamily="34" charset="0"/>
+              <a:buChar char="•"/>
+              <a:defRPr sz="2000" kern="1200">
+                <a:solidFill>
+                  <a:schemeClr val="tx1"/>
+                </a:solidFill>
+                <a:latin typeface="+mn-lt"/>
+                <a:ea typeface="+mn-ea"/>
+                <a:cs typeface="+mn-cs"/>
+              </a:defRPr>
+            </a:lvl7pPr>
+            <a:lvl8pPr marL="3429000" indent="-228600" algn="l" defTabSz="914400" rtl="0" eaLnBrk="1" latinLnBrk="0" hangingPunct="1">
+              <a:spcBef>
+                <a:spcPct val="20000"/>
+              </a:spcBef>
+              <a:buFont typeface="Arial" pitchFamily="34" charset="0"/>
+              <a:buChar char="•"/>
+              <a:defRPr sz="2000" kern="1200">
+                <a:solidFill>
+                  <a:schemeClr val="tx1"/>
+                </a:solidFill>
+                <a:latin typeface="+mn-lt"/>
+                <a:ea typeface="+mn-ea"/>
+                <a:cs typeface="+mn-cs"/>
+              </a:defRPr>
+            </a:lvl8pPr>
+            <a:lvl9pPr marL="3886200" indent="-228600" algn="l" defTabSz="914400" rtl="0" eaLnBrk="1" latinLnBrk="0" hangingPunct="1">
+              <a:spcBef>
+                <a:spcPct val="20000"/>
+              </a:spcBef>
+              <a:buFont typeface="Arial" pitchFamily="34" charset="0"/>
+              <a:buChar char="•"/>
+              <a:defRPr sz="2000" kern="1200">
+                <a:solidFill>
+                  <a:schemeClr val="tx1"/>
+                </a:solidFill>
+                <a:latin typeface="+mn-lt"/>
+                <a:ea typeface="+mn-ea"/>
+                <a:cs typeface="+mn-cs"/>
+              </a:defRPr>
+            </a:lvl9pPr>
+          </a:lstStyle>
+          <a:p>
+            <a:pPr defTabSz="914400"/>
+            <a:r>
+              <a:rPr lang="en-US" sz="1400" dirty="0">
+                <a:ea typeface="Times New Roman" panose="02020603050405020304" pitchFamily="18" charset="0"/>
+              </a:rPr>
+              <a:t>Put a table comparing three methods </a:t>
+            </a:r>
+          </a:p>
+          <a:p>
+            <a:pPr defTabSz="914400"/>
+            <a:r>
+              <a:rPr lang="en-US" sz="1400" dirty="0">
+                <a:ea typeface="Times New Roman" panose="02020603050405020304" pitchFamily="18" charset="0"/>
+              </a:rPr>
+              <a:t>Write the spec of the laptop on which we run </a:t>
+            </a:r>
+            <a:r>
+              <a:rPr lang="en-US" sz="1400">
+                <a:ea typeface="Times New Roman" panose="02020603050405020304" pitchFamily="18" charset="0"/>
+              </a:rPr>
+              <a:t>the test </a:t>
+            </a:r>
+            <a:endParaRPr lang="en-US" sz="1400" dirty="0">
+              <a:ea typeface="Times New Roman" panose="02020603050405020304" pitchFamily="18" charset="0"/>
+            </a:endParaRPr>
+          </a:p>
+        </p:txBody>
+      </p:sp>
     </p:spTree>
     <p:extLst>
       <p:ext uri="{BB962C8B-B14F-4D97-AF65-F5344CB8AC3E}">
@@ -14654,35 +14930,6 @@
 </file>
 
 <file path=customXml/item1.xml><?xml version="1.0" encoding="utf-8"?>
-<p:properties xmlns:p="http://schemas.microsoft.com/office/2006/metadata/properties" xmlns:xsi="http://www.w3.org/2001/XMLSchema-instance" xmlns:pc="http://schemas.microsoft.com/office/infopath/2007/PartnerControls">
-  <documentManagement>
-    <TaxCatchAll xmlns="a6c533f7-61db-40a9-92cc-7bf39d0de398">
-      <Value>14</Value>
-      <Value>74</Value>
-    </TaxCatchAll>
-    <o606121503634f60aadbd34f286ff3d9 xmlns="a6c533f7-61db-40a9-92cc-7bf39d0de398">
-      <Terms xmlns="http://schemas.microsoft.com/office/infopath/2007/PartnerControls">
-        <TermInfo xmlns="http://schemas.microsoft.com/office/infopath/2007/PartnerControls">
-          <TermName xmlns="http://schemas.microsoft.com/office/infopath/2007/PartnerControls">Template</TermName>
-          <TermId xmlns="http://schemas.microsoft.com/office/infopath/2007/PartnerControls">d449e3eb-181a-4ef3-83d2-948c1b505633</TermId>
-        </TermInfo>
-      </Terms>
-    </o606121503634f60aadbd34f286ff3d9>
-    <a60e8a9bb7a5498084be0308f3b51622 xmlns="a6c533f7-61db-40a9-92cc-7bf39d0de398">
-      <Terms xmlns="http://schemas.microsoft.com/office/infopath/2007/PartnerControls">
-        <TermInfo xmlns="http://schemas.microsoft.com/office/infopath/2007/PartnerControls">
-          <TermName xmlns="http://schemas.microsoft.com/office/infopath/2007/PartnerControls">CS</TermName>
-          <TermId xmlns="http://schemas.microsoft.com/office/infopath/2007/PartnerControls">fd244bff-d3ca-4376-a153-adc234d8de31</TermId>
-        </TermInfo>
-      </Terms>
-    </a60e8a9bb7a5498084be0308f3b51622>
-    <PublishingExpirationDate xmlns="http://schemas.microsoft.com/sharepoint/v3" xsi:nil="true"/>
-    <PublishingStartDate xmlns="http://schemas.microsoft.com/sharepoint/v3" xsi:nil="true"/>
-  </documentManagement>
-</p:properties>
-</file>
-
-<file path=customXml/item2.xml><?xml version="1.0" encoding="utf-8"?>
 <ct:contentTypeSchema xmlns:ct="http://schemas.microsoft.com/office/2006/metadata/contentType" xmlns:ma="http://schemas.microsoft.com/office/2006/metadata/properties/metaAttributes" ct:_="" ma:_="" ma:contentTypeName="Document" ma:contentTypeID="0x0101000D91315580376B46A11719EE4F871FF5" ma:contentTypeVersion="2" ma:contentTypeDescription="Create a new document." ma:contentTypeScope="" ma:versionID="8854321e5d77485fd489825fc93e6ca5">
   <xsd:schema xmlns:xsd="http://www.w3.org/2001/XMLSchema" xmlns:xs="http://www.w3.org/2001/XMLSchema" xmlns:p="http://schemas.microsoft.com/office/2006/metadata/properties" xmlns:ns1="http://schemas.microsoft.com/sharepoint/v3" xmlns:ns2="a6c533f7-61db-40a9-92cc-7bf39d0de398" targetNamespace="http://schemas.microsoft.com/office/2006/metadata/properties" ma:root="true" ma:fieldsID="d4c04313973a0c9248cfae03f8c66896" ns1:_="" ns2:_="">
     <xsd:import namespace="http://schemas.microsoft.com/sharepoint/v3"/>
@@ -14859,6 +15106,35 @@
 </ct:contentTypeSchema>
 </file>
 
+<file path=customXml/item2.xml><?xml version="1.0" encoding="utf-8"?>
+<p:properties xmlns:p="http://schemas.microsoft.com/office/2006/metadata/properties" xmlns:xsi="http://www.w3.org/2001/XMLSchema-instance" xmlns:pc="http://schemas.microsoft.com/office/infopath/2007/PartnerControls">
+  <documentManagement>
+    <TaxCatchAll xmlns="a6c533f7-61db-40a9-92cc-7bf39d0de398">
+      <Value>14</Value>
+      <Value>74</Value>
+    </TaxCatchAll>
+    <o606121503634f60aadbd34f286ff3d9 xmlns="a6c533f7-61db-40a9-92cc-7bf39d0de398">
+      <Terms xmlns="http://schemas.microsoft.com/office/infopath/2007/PartnerControls">
+        <TermInfo xmlns="http://schemas.microsoft.com/office/infopath/2007/PartnerControls">
+          <TermName xmlns="http://schemas.microsoft.com/office/infopath/2007/PartnerControls">Template</TermName>
+          <TermId xmlns="http://schemas.microsoft.com/office/infopath/2007/PartnerControls">d449e3eb-181a-4ef3-83d2-948c1b505633</TermId>
+        </TermInfo>
+      </Terms>
+    </o606121503634f60aadbd34f286ff3d9>
+    <a60e8a9bb7a5498084be0308f3b51622 xmlns="a6c533f7-61db-40a9-92cc-7bf39d0de398">
+      <Terms xmlns="http://schemas.microsoft.com/office/infopath/2007/PartnerControls">
+        <TermInfo xmlns="http://schemas.microsoft.com/office/infopath/2007/PartnerControls">
+          <TermName xmlns="http://schemas.microsoft.com/office/infopath/2007/PartnerControls">CS</TermName>
+          <TermId xmlns="http://schemas.microsoft.com/office/infopath/2007/PartnerControls">fd244bff-d3ca-4376-a153-adc234d8de31</TermId>
+        </TermInfo>
+      </Terms>
+    </a60e8a9bb7a5498084be0308f3b51622>
+    <PublishingExpirationDate xmlns="http://schemas.microsoft.com/sharepoint/v3" xsi:nil="true"/>
+    <PublishingStartDate xmlns="http://schemas.microsoft.com/sharepoint/v3" xsi:nil="true"/>
+  </documentManagement>
+</p:properties>
+</file>
+
 <file path=customXml/item3.xml><?xml version="1.0" encoding="utf-8"?>
 <?mso-contentType ?>
 <FormTemplates xmlns="http://schemas.microsoft.com/sharepoint/v3/contenttype/forms">
@@ -14869,23 +15145,6 @@
 </file>
 
 <file path=customXml/itemProps1.xml><?xml version="1.0" encoding="utf-8"?>
-<ds:datastoreItem xmlns:ds="http://schemas.openxmlformats.org/officeDocument/2006/customXml" ds:itemID="{A3EC1AE9-8C2C-4186-AB39-C5A3B23FE6D6}">
-  <ds:schemaRefs>
-    <ds:schemaRef ds:uri="http://purl.org/dc/terms/"/>
-    <ds:schemaRef ds:uri="http://purl.org/dc/dcmitype/"/>
-    <ds:schemaRef ds:uri="http://www.w3.org/XML/1998/namespace"/>
-    <ds:schemaRef ds:uri="http://purl.org/dc/elements/1.1/"/>
-    <ds:schemaRef ds:uri="http://schemas.microsoft.com/office/infopath/2007/PartnerControls"/>
-    <ds:schemaRef ds:uri="http://schemas.openxmlformats.org/package/2006/metadata/core-properties"/>
-    <ds:schemaRef ds:uri="http://schemas.microsoft.com/office/2006/documentManagement/types"/>
-    <ds:schemaRef ds:uri="a6c533f7-61db-40a9-92cc-7bf39d0de398"/>
-    <ds:schemaRef ds:uri="http://schemas.microsoft.com/sharepoint/v3"/>
-    <ds:schemaRef ds:uri="http://schemas.microsoft.com/office/2006/metadata/properties"/>
-  </ds:schemaRefs>
-</ds:datastoreItem>
-</file>
-
-<file path=customXml/itemProps2.xml><?xml version="1.0" encoding="utf-8"?>
 <ds:datastoreItem xmlns:ds="http://schemas.openxmlformats.org/officeDocument/2006/customXml" ds:itemID="{0660B9A4-C7B7-4FCB-887C-713BADDAC6BE}">
   <ds:schemaRefs>
     <ds:schemaRef ds:uri="http://schemas.microsoft.com/office/2006/metadata/contentType"/>
@@ -14904,6 +15163,23 @@
 </ds:datastoreItem>
 </file>
 
+<file path=customXml/itemProps2.xml><?xml version="1.0" encoding="utf-8"?>
+<ds:datastoreItem xmlns:ds="http://schemas.openxmlformats.org/officeDocument/2006/customXml" ds:itemID="{A3EC1AE9-8C2C-4186-AB39-C5A3B23FE6D6}">
+  <ds:schemaRefs>
+    <ds:schemaRef ds:uri="http://purl.org/dc/terms/"/>
+    <ds:schemaRef ds:uri="http://purl.org/dc/dcmitype/"/>
+    <ds:schemaRef ds:uri="http://www.w3.org/XML/1998/namespace"/>
+    <ds:schemaRef ds:uri="http://purl.org/dc/elements/1.1/"/>
+    <ds:schemaRef ds:uri="http://schemas.microsoft.com/office/infopath/2007/PartnerControls"/>
+    <ds:schemaRef ds:uri="http://schemas.openxmlformats.org/package/2006/metadata/core-properties"/>
+    <ds:schemaRef ds:uri="http://schemas.microsoft.com/office/2006/documentManagement/types"/>
+    <ds:schemaRef ds:uri="a6c533f7-61db-40a9-92cc-7bf39d0de398"/>
+    <ds:schemaRef ds:uri="http://schemas.microsoft.com/sharepoint/v3"/>
+    <ds:schemaRef ds:uri="http://schemas.microsoft.com/office/2006/metadata/properties"/>
+  </ds:schemaRefs>
+</ds:datastoreItem>
+</file>
+
 <file path=customXml/itemProps3.xml><?xml version="1.0" encoding="utf-8"?>
 <ds:datastoreItem xmlns:ds="http://schemas.openxmlformats.org/officeDocument/2006/customXml" ds:itemID="{40CEB917-FE66-4630-B98A-790134770770}">
   <ds:schemaRefs>

--- a/OptimisationCourse_finalpresentation.pptx
+++ b/OptimisationCourse_finalpresentation.pptx
@@ -626,7 +626,7 @@
               <a:pPr>
                 <a:defRPr/>
               </a:pPr>
-              <a:t>11/11/2023</a:t>
+              <a:t>12/2/23</a:t>
             </a:fld>
             <a:endParaRPr lang="en-US"/>
           </a:p>
@@ -849,7 +849,7 @@
               <a:pPr>
                 <a:defRPr/>
               </a:pPr>
-              <a:t>11/11/2023</a:t>
+              <a:t>12/2/23</a:t>
             </a:fld>
             <a:endParaRPr lang="en-US"/>
           </a:p>
@@ -1260,6 +1260,144 @@
     <p:extLst>
       <p:ext uri="{BB962C8B-B14F-4D97-AF65-F5344CB8AC3E}">
         <p14:creationId xmlns:p14="http://schemas.microsoft.com/office/powerpoint/2010/main" val="1479980245"/>
+      </p:ext>
+    </p:extLst>
+  </p:cSld>
+  <p:clrMapOvr>
+    <a:masterClrMapping/>
+  </p:clrMapOvr>
+</p:notes>
+</file>
+
+<file path=ppt/notesSlides/notesSlide2.xml><?xml version="1.0" encoding="utf-8"?>
+<p:notes xmlns:a="http://schemas.openxmlformats.org/drawingml/2006/main" xmlns:r="http://schemas.openxmlformats.org/officeDocument/2006/relationships" xmlns:p="http://schemas.openxmlformats.org/presentationml/2006/main">
+  <p:cSld>
+    <p:spTree>
+      <p:nvGrpSpPr>
+        <p:cNvPr id="1" name=""/>
+        <p:cNvGrpSpPr/>
+        <p:nvPr/>
+      </p:nvGrpSpPr>
+      <p:grpSpPr>
+        <a:xfrm>
+          <a:off x="0" y="0"/>
+          <a:ext cx="0" cy="0"/>
+          <a:chOff x="0" y="0"/>
+          <a:chExt cx="0" cy="0"/>
+        </a:xfrm>
+      </p:grpSpPr>
+      <p:sp>
+        <p:nvSpPr>
+          <p:cNvPr id="2" name="Slide Image Placeholder 1"/>
+          <p:cNvSpPr>
+            <a:spLocks noGrp="1" noRot="1" noChangeAspect="1"/>
+          </p:cNvSpPr>
+          <p:nvPr>
+            <p:ph type="sldImg"/>
+          </p:nvPr>
+        </p:nvSpPr>
+        <p:spPr/>
+      </p:sp>
+      <p:sp>
+        <p:nvSpPr>
+          <p:cNvPr id="3" name="Notes Placeholder 2"/>
+          <p:cNvSpPr>
+            <a:spLocks noGrp="1"/>
+          </p:cNvSpPr>
+          <p:nvPr>
+            <p:ph type="body" idx="1"/>
+          </p:nvPr>
+        </p:nvSpPr>
+        <p:spPr/>
+        <p:txBody>
+          <a:bodyPr/>
+          <a:lstStyle/>
+          <a:p>
+            <a:r>
+              <a:rPr lang="en-US" dirty="0"/>
+              <a:t>C</a:t>
+            </a:r>
+            <a:r>
+              <a:rPr lang="en-LU" dirty="0"/>
+              <a:t>reate a instance folder</a:t>
+            </a:r>
+          </a:p>
+          <a:p>
+            <a:r>
+              <a:rPr lang="en-US" dirty="0"/>
+              <a:t>C</a:t>
+            </a:r>
+            <a:r>
+              <a:rPr lang="en-LU" dirty="0"/>
+              <a:t>reate a result folder</a:t>
+            </a:r>
+          </a:p>
+          <a:p>
+            <a:r>
+              <a:rPr lang="en-US" dirty="0"/>
+              <a:t>C</a:t>
+            </a:r>
+            <a:r>
+              <a:rPr lang="en-LU" dirty="0"/>
+              <a:t>hange exact_jump solver to gurobi</a:t>
+            </a:r>
+          </a:p>
+          <a:p>
+            <a:r>
+              <a:rPr lang="en-US" dirty="0"/>
+              <a:t>A</a:t>
+            </a:r>
+            <a:r>
+              <a:rPr lang="en-LU" dirty="0"/>
+              <a:t>dd a random seed number</a:t>
+            </a:r>
+          </a:p>
+          <a:p>
+            <a:r>
+              <a:rPr lang="en-US" dirty="0"/>
+              <a:t>C</a:t>
+            </a:r>
+            <a:r>
+              <a:rPr lang="en-LU"/>
+              <a:t>oluna test: give up 1000s (8133-5062)/8133</a:t>
+            </a:r>
+            <a:endParaRPr lang="en-LU" dirty="0"/>
+          </a:p>
+        </p:txBody>
+      </p:sp>
+      <p:sp>
+        <p:nvSpPr>
+          <p:cNvPr id="4" name="Slide Number Placeholder 3"/>
+          <p:cNvSpPr>
+            <a:spLocks noGrp="1"/>
+          </p:cNvSpPr>
+          <p:nvPr>
+            <p:ph type="sldNum" sz="quarter" idx="5"/>
+          </p:nvPr>
+        </p:nvSpPr>
+        <p:spPr/>
+        <p:txBody>
+          <a:bodyPr/>
+          <a:lstStyle/>
+          <a:p>
+            <a:pPr>
+              <a:defRPr/>
+            </a:pPr>
+            <a:fld id="{5DAD6506-EFD9-E946-BD8F-E104AD6F4F97}" type="slidenum">
+              <a:rPr lang="en-US" smtClean="0"/>
+              <a:pPr>
+                <a:defRPr/>
+              </a:pPr>
+              <a:t>7</a:t>
+            </a:fld>
+            <a:endParaRPr lang="en-US"/>
+          </a:p>
+        </p:txBody>
+      </p:sp>
+    </p:spTree>
+    <p:extLst>
+      <p:ext uri="{BB962C8B-B14F-4D97-AF65-F5344CB8AC3E}">
+        <p14:creationId xmlns:p14="http://schemas.microsoft.com/office/powerpoint/2010/main" val="2608053012"/>
       </p:ext>
     </p:extLst>
   </p:cSld>
@@ -11965,7 +12103,7 @@
             <p:nvPr userDrawn="1"/>
           </p:nvPicPr>
           <p:blipFill>
-            <a:blip r:embed="rId2" cstate="screen">
+            <a:blip r:embed="rId3" cstate="screen">
               <a:extLst>
                 <a:ext uri="{28A0092B-C50C-407E-A947-70E740481C1C}">
                   <a14:useLocalDpi xmlns:a14="http://schemas.microsoft.com/office/drawing/2010/main"/>
@@ -12191,8 +12329,32 @@
               <a:rPr lang="en-US" sz="1400" dirty="0">
                 <a:ea typeface="Times New Roman" panose="02020603050405020304" pitchFamily="18" charset="0"/>
               </a:rPr>
-              <a:t>Explanation of the column generation </a:t>
+              <a:t>Original formulation</a:t>
             </a:r>
+          </a:p>
+          <a:p>
+            <a:pPr defTabSz="914400"/>
+            <a:r>
+              <a:rPr lang="en-US" sz="1400" dirty="0">
+                <a:ea typeface="Times New Roman" panose="02020603050405020304" pitchFamily="18" charset="0"/>
+              </a:rPr>
+              <a:t>Master problem</a:t>
+            </a:r>
+          </a:p>
+          <a:p>
+            <a:pPr defTabSz="914400"/>
+            <a:r>
+              <a:rPr lang="en-US" sz="1400" dirty="0">
+                <a:ea typeface="Times New Roman" panose="02020603050405020304" pitchFamily="18" charset="0"/>
+              </a:rPr>
+              <a:t>Subproblem </a:t>
+            </a:r>
+          </a:p>
+          <a:p>
+            <a:pPr defTabSz="914400"/>
+            <a:endParaRPr lang="en-US" sz="1400" dirty="0">
+              <a:ea typeface="Times New Roman" panose="02020603050405020304" pitchFamily="18" charset="0"/>
+            </a:endParaRPr>
           </a:p>
         </p:txBody>
       </p:sp>
@@ -12211,10 +12373,10 @@
           <p:nvPr/>
         </p:nvPicPr>
         <p:blipFill>
-          <a:blip r:embed="rId3">
+          <a:blip r:embed="rId4">
             <a:extLst>
               <a:ext uri="{96DAC541-7B7A-43D3-8B79-37D633B846F1}">
-                <asvg:svgBlip xmlns:asvg="http://schemas.microsoft.com/office/drawing/2016/SVG/main" r:embed="rId4"/>
+                <asvg:svgBlip xmlns:asvg="http://schemas.microsoft.com/office/drawing/2016/SVG/main" r:embed="rId5"/>
               </a:ext>
             </a:extLst>
           </a:blip>
@@ -14930,6 +15092,44 @@
 </file>
 
 <file path=customXml/item1.xml><?xml version="1.0" encoding="utf-8"?>
+<?mso-contentType ?>
+<FormTemplates xmlns="http://schemas.microsoft.com/sharepoint/v3/contenttype/forms">
+  <Display>DocumentLibraryForm</Display>
+  <Edit>DocumentLibraryForm</Edit>
+  <New>DocumentLibraryForm</New>
+</FormTemplates>
+</file>
+
+<file path=customXml/item2.xml><?xml version="1.0" encoding="utf-8"?>
+<p:properties xmlns:p="http://schemas.microsoft.com/office/2006/metadata/properties" xmlns:xsi="http://www.w3.org/2001/XMLSchema-instance" xmlns:pc="http://schemas.microsoft.com/office/infopath/2007/PartnerControls">
+  <documentManagement>
+    <TaxCatchAll xmlns="a6c533f7-61db-40a9-92cc-7bf39d0de398">
+      <Value>14</Value>
+      <Value>74</Value>
+    </TaxCatchAll>
+    <o606121503634f60aadbd34f286ff3d9 xmlns="a6c533f7-61db-40a9-92cc-7bf39d0de398">
+      <Terms xmlns="http://schemas.microsoft.com/office/infopath/2007/PartnerControls">
+        <TermInfo xmlns="http://schemas.microsoft.com/office/infopath/2007/PartnerControls">
+          <TermName xmlns="http://schemas.microsoft.com/office/infopath/2007/PartnerControls">Template</TermName>
+          <TermId xmlns="http://schemas.microsoft.com/office/infopath/2007/PartnerControls">d449e3eb-181a-4ef3-83d2-948c1b505633</TermId>
+        </TermInfo>
+      </Terms>
+    </o606121503634f60aadbd34f286ff3d9>
+    <a60e8a9bb7a5498084be0308f3b51622 xmlns="a6c533f7-61db-40a9-92cc-7bf39d0de398">
+      <Terms xmlns="http://schemas.microsoft.com/office/infopath/2007/PartnerControls">
+        <TermInfo xmlns="http://schemas.microsoft.com/office/infopath/2007/PartnerControls">
+          <TermName xmlns="http://schemas.microsoft.com/office/infopath/2007/PartnerControls">CS</TermName>
+          <TermId xmlns="http://schemas.microsoft.com/office/infopath/2007/PartnerControls">fd244bff-d3ca-4376-a153-adc234d8de31</TermId>
+        </TermInfo>
+      </Terms>
+    </a60e8a9bb7a5498084be0308f3b51622>
+    <PublishingExpirationDate xmlns="http://schemas.microsoft.com/sharepoint/v3" xsi:nil="true"/>
+    <PublishingStartDate xmlns="http://schemas.microsoft.com/sharepoint/v3" xsi:nil="true"/>
+  </documentManagement>
+</p:properties>
+</file>
+
+<file path=customXml/item3.xml><?xml version="1.0" encoding="utf-8"?>
 <ct:contentTypeSchema xmlns:ct="http://schemas.microsoft.com/office/2006/metadata/contentType" xmlns:ma="http://schemas.microsoft.com/office/2006/metadata/properties/metaAttributes" ct:_="" ma:_="" ma:contentTypeName="Document" ma:contentTypeID="0x0101000D91315580376B46A11719EE4F871FF5" ma:contentTypeVersion="2" ma:contentTypeDescription="Create a new document." ma:contentTypeScope="" ma:versionID="8854321e5d77485fd489825fc93e6ca5">
   <xsd:schema xmlns:xsd="http://www.w3.org/2001/XMLSchema" xmlns:xs="http://www.w3.org/2001/XMLSchema" xmlns:p="http://schemas.microsoft.com/office/2006/metadata/properties" xmlns:ns1="http://schemas.microsoft.com/sharepoint/v3" xmlns:ns2="a6c533f7-61db-40a9-92cc-7bf39d0de398" targetNamespace="http://schemas.microsoft.com/office/2006/metadata/properties" ma:root="true" ma:fieldsID="d4c04313973a0c9248cfae03f8c66896" ns1:_="" ns2:_="">
     <xsd:import namespace="http://schemas.microsoft.com/sharepoint/v3"/>
@@ -15106,59 +15306,10 @@
 </ct:contentTypeSchema>
 </file>
 
-<file path=customXml/item2.xml><?xml version="1.0" encoding="utf-8"?>
-<p:properties xmlns:p="http://schemas.microsoft.com/office/2006/metadata/properties" xmlns:xsi="http://www.w3.org/2001/XMLSchema-instance" xmlns:pc="http://schemas.microsoft.com/office/infopath/2007/PartnerControls">
-  <documentManagement>
-    <TaxCatchAll xmlns="a6c533f7-61db-40a9-92cc-7bf39d0de398">
-      <Value>14</Value>
-      <Value>74</Value>
-    </TaxCatchAll>
-    <o606121503634f60aadbd34f286ff3d9 xmlns="a6c533f7-61db-40a9-92cc-7bf39d0de398">
-      <Terms xmlns="http://schemas.microsoft.com/office/infopath/2007/PartnerControls">
-        <TermInfo xmlns="http://schemas.microsoft.com/office/infopath/2007/PartnerControls">
-          <TermName xmlns="http://schemas.microsoft.com/office/infopath/2007/PartnerControls">Template</TermName>
-          <TermId xmlns="http://schemas.microsoft.com/office/infopath/2007/PartnerControls">d449e3eb-181a-4ef3-83d2-948c1b505633</TermId>
-        </TermInfo>
-      </Terms>
-    </o606121503634f60aadbd34f286ff3d9>
-    <a60e8a9bb7a5498084be0308f3b51622 xmlns="a6c533f7-61db-40a9-92cc-7bf39d0de398">
-      <Terms xmlns="http://schemas.microsoft.com/office/infopath/2007/PartnerControls">
-        <TermInfo xmlns="http://schemas.microsoft.com/office/infopath/2007/PartnerControls">
-          <TermName xmlns="http://schemas.microsoft.com/office/infopath/2007/PartnerControls">CS</TermName>
-          <TermId xmlns="http://schemas.microsoft.com/office/infopath/2007/PartnerControls">fd244bff-d3ca-4376-a153-adc234d8de31</TermId>
-        </TermInfo>
-      </Terms>
-    </a60e8a9bb7a5498084be0308f3b51622>
-    <PublishingExpirationDate xmlns="http://schemas.microsoft.com/sharepoint/v3" xsi:nil="true"/>
-    <PublishingStartDate xmlns="http://schemas.microsoft.com/sharepoint/v3" xsi:nil="true"/>
-  </documentManagement>
-</p:properties>
-</file>
-
-<file path=customXml/item3.xml><?xml version="1.0" encoding="utf-8"?>
-<?mso-contentType ?>
-<FormTemplates xmlns="http://schemas.microsoft.com/sharepoint/v3/contenttype/forms">
-  <Display>DocumentLibraryForm</Display>
-  <Edit>DocumentLibraryForm</Edit>
-  <New>DocumentLibraryForm</New>
-</FormTemplates>
-</file>
-
 <file path=customXml/itemProps1.xml><?xml version="1.0" encoding="utf-8"?>
-<ds:datastoreItem xmlns:ds="http://schemas.openxmlformats.org/officeDocument/2006/customXml" ds:itemID="{0660B9A4-C7B7-4FCB-887C-713BADDAC6BE}">
+<ds:datastoreItem xmlns:ds="http://schemas.openxmlformats.org/officeDocument/2006/customXml" ds:itemID="{40CEB917-FE66-4630-B98A-790134770770}">
   <ds:schemaRefs>
-    <ds:schemaRef ds:uri="http://schemas.microsoft.com/office/2006/metadata/contentType"/>
-    <ds:schemaRef ds:uri="http://schemas.microsoft.com/office/2006/metadata/properties/metaAttributes"/>
-    <ds:schemaRef ds:uri="http://www.w3.org/2001/XMLSchema"/>
-    <ds:schemaRef ds:uri="http://schemas.microsoft.com/office/2006/metadata/properties"/>
-    <ds:schemaRef ds:uri="http://schemas.microsoft.com/sharepoint/v3"/>
-    <ds:schemaRef ds:uri="a6c533f7-61db-40a9-92cc-7bf39d0de398"/>
-    <ds:schemaRef ds:uri="http://schemas.microsoft.com/office/2006/documentManagement/types"/>
-    <ds:schemaRef ds:uri="http://schemas.microsoft.com/office/infopath/2007/PartnerControls"/>
-    <ds:schemaRef ds:uri="http://schemas.openxmlformats.org/package/2006/metadata/core-properties"/>
-    <ds:schemaRef ds:uri="http://purl.org/dc/elements/1.1/"/>
-    <ds:schemaRef ds:uri="http://purl.org/dc/terms/"/>
-    <ds:schemaRef ds:uri="http://schemas.microsoft.com/internal/obd"/>
+    <ds:schemaRef ds:uri="http://schemas.microsoft.com/sharepoint/v3/contenttype/forms"/>
   </ds:schemaRefs>
 </ds:datastoreItem>
 </file>
@@ -15181,9 +15332,20 @@
 </file>
 
 <file path=customXml/itemProps3.xml><?xml version="1.0" encoding="utf-8"?>
-<ds:datastoreItem xmlns:ds="http://schemas.openxmlformats.org/officeDocument/2006/customXml" ds:itemID="{40CEB917-FE66-4630-B98A-790134770770}">
+<ds:datastoreItem xmlns:ds="http://schemas.openxmlformats.org/officeDocument/2006/customXml" ds:itemID="{0660B9A4-C7B7-4FCB-887C-713BADDAC6BE}">
   <ds:schemaRefs>
-    <ds:schemaRef ds:uri="http://schemas.microsoft.com/sharepoint/v3/contenttype/forms"/>
+    <ds:schemaRef ds:uri="http://schemas.microsoft.com/office/2006/metadata/contentType"/>
+    <ds:schemaRef ds:uri="http://schemas.microsoft.com/office/2006/metadata/properties/metaAttributes"/>
+    <ds:schemaRef ds:uri="http://www.w3.org/2001/XMLSchema"/>
+    <ds:schemaRef ds:uri="http://schemas.microsoft.com/office/2006/metadata/properties"/>
+    <ds:schemaRef ds:uri="http://schemas.microsoft.com/sharepoint/v3"/>
+    <ds:schemaRef ds:uri="a6c533f7-61db-40a9-92cc-7bf39d0de398"/>
+    <ds:schemaRef ds:uri="http://schemas.microsoft.com/office/2006/documentManagement/types"/>
+    <ds:schemaRef ds:uri="http://schemas.microsoft.com/office/infopath/2007/PartnerControls"/>
+    <ds:schemaRef ds:uri="http://schemas.openxmlformats.org/package/2006/metadata/core-properties"/>
+    <ds:schemaRef ds:uri="http://purl.org/dc/elements/1.1/"/>
+    <ds:schemaRef ds:uri="http://purl.org/dc/terms/"/>
+    <ds:schemaRef ds:uri="http://schemas.microsoft.com/internal/obd"/>
   </ds:schemaRefs>
 </ds:datastoreItem>
 </file>